--- a/doc/ПлОт.pptx
+++ b/doc/ПлОт.pptx
@@ -7,6 +7,19 @@
   <p:sldIdLst>
     <p:sldId id="256" r:id="rId2"/>
     <p:sldId id="257" r:id="rId3"/>
+    <p:sldId id="258" r:id="rId4"/>
+    <p:sldId id="259" r:id="rId5"/>
+    <p:sldId id="263" r:id="rId6"/>
+    <p:sldId id="264" r:id="rId7"/>
+    <p:sldId id="271" r:id="rId8"/>
+    <p:sldId id="269" r:id="rId9"/>
+    <p:sldId id="270" r:id="rId10"/>
+    <p:sldId id="262" r:id="rId11"/>
+    <p:sldId id="266" r:id="rId12"/>
+    <p:sldId id="260" r:id="rId13"/>
+    <p:sldId id="267" r:id="rId14"/>
+    <p:sldId id="268" r:id="rId15"/>
+    <p:sldId id="265" r:id="rId16"/>
   </p:sldIdLst>
   <p:sldSz cx="9144000" cy="6858000" type="screen4x3"/>
   <p:notesSz cx="6858000" cy="9144000"/>
@@ -2573,9 +2586,16 @@
 <p:sldMaster xmlns:a="http://schemas.openxmlformats.org/drawingml/2006/main" xmlns:r="http://schemas.openxmlformats.org/officeDocument/2006/relationships" xmlns:p="http://schemas.openxmlformats.org/presentationml/2006/main">
   <p:cSld>
     <p:bg>
-      <p:bgRef idx="1001">
-        <a:schemeClr val="bg1"/>
-      </p:bgRef>
+      <p:bgPr>
+        <a:blipFill dpi="0" rotWithShape="1">
+          <a:blip r:embed="rId13"/>
+          <a:srcRect/>
+          <a:stretch>
+            <a:fillRect/>
+          </a:stretch>
+        </a:blipFill>
+        <a:effectLst/>
+      </p:bgPr>
     </p:bg>
     <p:spTree>
       <p:nvGrpSpPr>
@@ -3082,17 +3102,6 @@
 <file path=ppt/slides/slide1.xml><?xml version="1.0" encoding="utf-8"?>
 <p:sld xmlns:a="http://schemas.openxmlformats.org/drawingml/2006/main" xmlns:r="http://schemas.openxmlformats.org/officeDocument/2006/relationships" xmlns:p="http://schemas.openxmlformats.org/presentationml/2006/main">
   <p:cSld>
-    <p:bg>
-      <p:bgPr>
-        <a:blipFill>
-          <a:blip r:embed="rId2"/>
-          <a:stretch>
-            <a:fillRect/>
-          </a:stretch>
-        </a:blipFill>
-        <a:effectLst/>
-      </p:bgPr>
-    </p:bg>
     <p:spTree>
       <p:nvGrpSpPr>
         <p:cNvPr id="1" name=""/>
@@ -3107,6 +3116,94 @@
           <a:chExt cx="0" cy="0"/>
         </a:xfrm>
       </p:grpSpPr>
+      <p:pic>
+        <p:nvPicPr>
+          <p:cNvPr id="1028" name="Picture 4" descr="Одинокая палатка на плоту. Незабываемое одиночество. » Смешные Анекдоты  Истории Цитаты Афоризмы Стишки Картинки прикольные Игры"/>
+          <p:cNvPicPr>
+            <a:picLocks noChangeAspect="1" noChangeArrowheads="1"/>
+          </p:cNvPicPr>
+          <p:nvPr/>
+        </p:nvPicPr>
+        <p:blipFill>
+          <a:blip r:embed="rId2">
+            <a:extLst>
+              <a:ext uri="{28A0092B-C50C-407E-A947-70E740481C1C}">
+                <a14:useLocalDpi xmlns:a14="http://schemas.microsoft.com/office/drawing/2010/main" val="0"/>
+              </a:ext>
+            </a:extLst>
+          </a:blip>
+          <a:srcRect/>
+          <a:stretch>
+            <a:fillRect/>
+          </a:stretch>
+        </p:blipFill>
+        <p:spPr bwMode="auto">
+          <a:xfrm>
+            <a:off x="2195736" y="2499208"/>
+            <a:ext cx="4876800" cy="3257550"/>
+          </a:xfrm>
+          <a:prstGeom prst="rect">
+            <a:avLst/>
+          </a:prstGeom>
+          <a:noFill/>
+          <a:effectLst>
+            <a:softEdge rad="127000"/>
+          </a:effectLst>
+          <a:extLst>
+            <a:ext uri="{909E8E84-426E-40DD-AFC4-6F175D3DCCD1}">
+              <a14:hiddenFill xmlns:a14="http://schemas.microsoft.com/office/drawing/2010/main">
+                <a:solidFill>
+                  <a:srgbClr val="FFFFFF"/>
+                </a:solidFill>
+              </a14:hiddenFill>
+            </a:ext>
+          </a:extLst>
+        </p:spPr>
+      </p:pic>
+      <p:pic>
+        <p:nvPicPr>
+          <p:cNvPr id="1026" name="Picture 2" descr="https://blog.kvv213.com/wp-content/uploads/2018/11/PUNCH-TAPE-1.jpg"/>
+          <p:cNvPicPr>
+            <a:picLocks noChangeAspect="1" noChangeArrowheads="1"/>
+          </p:cNvPicPr>
+          <p:nvPr/>
+        </p:nvPicPr>
+        <p:blipFill>
+          <a:blip r:embed="rId3">
+            <a:extLst>
+              <a:ext uri="{28A0092B-C50C-407E-A947-70E740481C1C}">
+                <a14:useLocalDpi xmlns:a14="http://schemas.microsoft.com/office/drawing/2010/main" val="0"/>
+              </a:ext>
+            </a:extLst>
+          </a:blip>
+          <a:srcRect/>
+          <a:stretch>
+            <a:fillRect/>
+          </a:stretch>
+        </p:blipFill>
+        <p:spPr bwMode="auto">
+          <a:xfrm>
+            <a:off x="107504" y="116633"/>
+            <a:ext cx="3080555" cy="1800200"/>
+          </a:xfrm>
+          <a:prstGeom prst="rect">
+            <a:avLst/>
+          </a:prstGeom>
+          <a:noFill/>
+          <a:effectLst>
+            <a:softEdge rad="127000"/>
+          </a:effectLst>
+          <a:extLst>
+            <a:ext uri="{909E8E84-426E-40DD-AFC4-6F175D3DCCD1}">
+              <a14:hiddenFill xmlns:a14="http://schemas.microsoft.com/office/drawing/2010/main">
+                <a:solidFill>
+                  <a:srgbClr val="FFFFFF"/>
+                </a:solidFill>
+              </a14:hiddenFill>
+            </a:ext>
+          </a:extLst>
+        </p:spPr>
+      </p:pic>
       <p:sp>
         <p:nvSpPr>
           <p:cNvPr id="2" name="Заголовок 1"/>
@@ -3117,20 +3214,72 @@
             <p:ph type="ctrTitle"/>
           </p:nvPr>
         </p:nvSpPr>
-        <p:spPr/>
-        <p:txBody>
-          <a:bodyPr/>
-          <a:lstStyle/>
-          <a:p>
-            <a:r>
-              <a:rPr lang="ru-RU" sz="7200" dirty="0" err="1" smtClean="0">
+        <p:spPr>
+          <a:xfrm>
+            <a:off x="-80411" y="404664"/>
+            <a:ext cx="3456384" cy="1080120"/>
+          </a:xfrm>
+        </p:spPr>
+        <p:txBody>
+          <a:bodyPr>
+            <a:normAutofit fontScale="90000"/>
+          </a:bodyPr>
+          <a:lstStyle/>
+          <a:p>
+            <a:r>
+              <a:rPr lang="ru-RU" sz="3200" dirty="0" smtClean="0"/>
+              <a:t>Команда Перфолента</a:t>
+            </a:r>
+            <a:br>
+              <a:rPr lang="ru-RU" sz="3200" dirty="0" smtClean="0"/>
+            </a:br>
+            <a:r>
+              <a:rPr lang="ru-RU" sz="3200" dirty="0" smtClean="0"/>
+              <a:t>представляет</a:t>
+            </a:r>
+            <a:endParaRPr lang="ru-RU" sz="3200" dirty="0"/>
+          </a:p>
+        </p:txBody>
+      </p:sp>
+      <p:sp>
+        <p:nvSpPr>
+          <p:cNvPr id="3" name="Подзаголовок 2"/>
+          <p:cNvSpPr>
+            <a:spLocks noGrp="1"/>
+          </p:cNvSpPr>
+          <p:nvPr>
+            <p:ph type="subTitle" idx="1"/>
+          </p:nvPr>
+        </p:nvSpPr>
+        <p:spPr>
+          <a:xfrm>
+            <a:off x="2441848" y="1491096"/>
+            <a:ext cx="4384576" cy="984610"/>
+          </a:xfrm>
+        </p:spPr>
+        <p:txBody>
+          <a:bodyPr>
+            <a:normAutofit fontScale="92500" lnSpcReduction="10000"/>
+          </a:bodyPr>
+          <a:lstStyle/>
+          <a:p>
+            <a:r>
+              <a:rPr lang="ru-RU" sz="6600" dirty="0" err="1" smtClean="0">
                 <a:solidFill>
                   <a:schemeClr val="bg1"/>
                 </a:solidFill>
               </a:rPr>
               <a:t>ПлОт</a:t>
             </a:r>
-            <a:endParaRPr lang="ru-RU" dirty="0">
+            <a:r>
+              <a:rPr lang="ru-RU" sz="6600" dirty="0" smtClean="0">
+                <a:solidFill>
+                  <a:schemeClr val="bg1"/>
+                </a:solidFill>
+              </a:rPr>
+              <a:t>!</a:t>
+            </a:r>
+            <a:endParaRPr lang="ru-RU" sz="6600" dirty="0">
               <a:solidFill>
                 <a:schemeClr val="bg1"/>
               </a:solidFill>
@@ -3140,28 +3289,190 @@
       </p:sp>
       <p:sp>
         <p:nvSpPr>
-          <p:cNvPr id="3" name="Подзаголовок 2"/>
-          <p:cNvSpPr>
-            <a:spLocks noGrp="1"/>
-          </p:cNvSpPr>
-          <p:nvPr>
-            <p:ph type="subTitle" idx="1"/>
-          </p:nvPr>
-        </p:nvSpPr>
-        <p:spPr/>
-        <p:txBody>
-          <a:bodyPr/>
-          <a:lstStyle/>
-          <a:p>
-            <a:r>
-              <a:rPr lang="ru-RU" dirty="0" smtClean="0">
+          <p:cNvPr id="6" name="Подзаголовок 2"/>
+          <p:cNvSpPr txBox="1">
+            <a:spLocks/>
+          </p:cNvSpPr>
+          <p:nvPr/>
+        </p:nvSpPr>
+        <p:spPr>
+          <a:xfrm>
+            <a:off x="653613" y="5756758"/>
+            <a:ext cx="8208912" cy="984610"/>
+          </a:xfrm>
+          <a:prstGeom prst="rect">
+            <a:avLst/>
+          </a:prstGeom>
+        </p:spPr>
+        <p:txBody>
+          <a:bodyPr vert="horz" lIns="91440" tIns="45720" rIns="91440" bIns="45720" rtlCol="0">
+            <a:normAutofit/>
+          </a:bodyPr>
+          <a:lstStyle>
+            <a:lvl1pPr marL="0" indent="0" algn="ctr" defTabSz="914400" rtl="0" eaLnBrk="1" latinLnBrk="0" hangingPunct="1">
+              <a:spcBef>
+                <a:spcPct val="20000"/>
+              </a:spcBef>
+              <a:buFont typeface="Arial" panose="020B0604020202020204" pitchFamily="34" charset="0"/>
+              <a:buNone/>
+              <a:defRPr sz="3200" kern="1200">
+                <a:solidFill>
+                  <a:schemeClr val="tx1">
+                    <a:tint val="75000"/>
+                  </a:schemeClr>
+                </a:solidFill>
+                <a:latin typeface="+mn-lt"/>
+                <a:ea typeface="+mn-ea"/>
+                <a:cs typeface="+mn-cs"/>
+              </a:defRPr>
+            </a:lvl1pPr>
+            <a:lvl2pPr marL="457200" indent="0" algn="ctr" defTabSz="914400" rtl="0" eaLnBrk="1" latinLnBrk="0" hangingPunct="1">
+              <a:spcBef>
+                <a:spcPct val="20000"/>
+              </a:spcBef>
+              <a:buFont typeface="Arial" panose="020B0604020202020204" pitchFamily="34" charset="0"/>
+              <a:buNone/>
+              <a:defRPr sz="2800" kern="1200">
+                <a:solidFill>
+                  <a:schemeClr val="tx1">
+                    <a:tint val="75000"/>
+                  </a:schemeClr>
+                </a:solidFill>
+                <a:latin typeface="+mn-lt"/>
+                <a:ea typeface="+mn-ea"/>
+                <a:cs typeface="+mn-cs"/>
+              </a:defRPr>
+            </a:lvl2pPr>
+            <a:lvl3pPr marL="914400" indent="0" algn="ctr" defTabSz="914400" rtl="0" eaLnBrk="1" latinLnBrk="0" hangingPunct="1">
+              <a:spcBef>
+                <a:spcPct val="20000"/>
+              </a:spcBef>
+              <a:buFont typeface="Arial" panose="020B0604020202020204" pitchFamily="34" charset="0"/>
+              <a:buNone/>
+              <a:defRPr sz="2400" kern="1200">
+                <a:solidFill>
+                  <a:schemeClr val="tx1">
+                    <a:tint val="75000"/>
+                  </a:schemeClr>
+                </a:solidFill>
+                <a:latin typeface="+mn-lt"/>
+                <a:ea typeface="+mn-ea"/>
+                <a:cs typeface="+mn-cs"/>
+              </a:defRPr>
+            </a:lvl3pPr>
+            <a:lvl4pPr marL="1371600" indent="0" algn="ctr" defTabSz="914400" rtl="0" eaLnBrk="1" latinLnBrk="0" hangingPunct="1">
+              <a:spcBef>
+                <a:spcPct val="20000"/>
+              </a:spcBef>
+              <a:buFont typeface="Arial" panose="020B0604020202020204" pitchFamily="34" charset="0"/>
+              <a:buNone/>
+              <a:defRPr sz="2000" kern="1200">
+                <a:solidFill>
+                  <a:schemeClr val="tx1">
+                    <a:tint val="75000"/>
+                  </a:schemeClr>
+                </a:solidFill>
+                <a:latin typeface="+mn-lt"/>
+                <a:ea typeface="+mn-ea"/>
+                <a:cs typeface="+mn-cs"/>
+              </a:defRPr>
+            </a:lvl4pPr>
+            <a:lvl5pPr marL="1828800" indent="0" algn="ctr" defTabSz="914400" rtl="0" eaLnBrk="1" latinLnBrk="0" hangingPunct="1">
+              <a:spcBef>
+                <a:spcPct val="20000"/>
+              </a:spcBef>
+              <a:buFont typeface="Arial" panose="020B0604020202020204" pitchFamily="34" charset="0"/>
+              <a:buNone/>
+              <a:defRPr sz="2000" kern="1200">
+                <a:solidFill>
+                  <a:schemeClr val="tx1">
+                    <a:tint val="75000"/>
+                  </a:schemeClr>
+                </a:solidFill>
+                <a:latin typeface="+mn-lt"/>
+                <a:ea typeface="+mn-ea"/>
+                <a:cs typeface="+mn-cs"/>
+              </a:defRPr>
+            </a:lvl5pPr>
+            <a:lvl6pPr marL="2286000" indent="0" algn="ctr" defTabSz="914400" rtl="0" eaLnBrk="1" latinLnBrk="0" hangingPunct="1">
+              <a:spcBef>
+                <a:spcPct val="20000"/>
+              </a:spcBef>
+              <a:buFont typeface="Arial" panose="020B0604020202020204" pitchFamily="34" charset="0"/>
+              <a:buNone/>
+              <a:defRPr sz="2000" kern="1200">
+                <a:solidFill>
+                  <a:schemeClr val="tx1">
+                    <a:tint val="75000"/>
+                  </a:schemeClr>
+                </a:solidFill>
+                <a:latin typeface="+mn-lt"/>
+                <a:ea typeface="+mn-ea"/>
+                <a:cs typeface="+mn-cs"/>
+              </a:defRPr>
+            </a:lvl6pPr>
+            <a:lvl7pPr marL="2743200" indent="0" algn="ctr" defTabSz="914400" rtl="0" eaLnBrk="1" latinLnBrk="0" hangingPunct="1">
+              <a:spcBef>
+                <a:spcPct val="20000"/>
+              </a:spcBef>
+              <a:buFont typeface="Arial" panose="020B0604020202020204" pitchFamily="34" charset="0"/>
+              <a:buNone/>
+              <a:defRPr sz="2000" kern="1200">
+                <a:solidFill>
+                  <a:schemeClr val="tx1">
+                    <a:tint val="75000"/>
+                  </a:schemeClr>
+                </a:solidFill>
+                <a:latin typeface="+mn-lt"/>
+                <a:ea typeface="+mn-ea"/>
+                <a:cs typeface="+mn-cs"/>
+              </a:defRPr>
+            </a:lvl7pPr>
+            <a:lvl8pPr marL="3200400" indent="0" algn="ctr" defTabSz="914400" rtl="0" eaLnBrk="1" latinLnBrk="0" hangingPunct="1">
+              <a:spcBef>
+                <a:spcPct val="20000"/>
+              </a:spcBef>
+              <a:buFont typeface="Arial" panose="020B0604020202020204" pitchFamily="34" charset="0"/>
+              <a:buNone/>
+              <a:defRPr sz="2000" kern="1200">
+                <a:solidFill>
+                  <a:schemeClr val="tx1">
+                    <a:tint val="75000"/>
+                  </a:schemeClr>
+                </a:solidFill>
+                <a:latin typeface="+mn-lt"/>
+                <a:ea typeface="+mn-ea"/>
+                <a:cs typeface="+mn-cs"/>
+              </a:defRPr>
+            </a:lvl8pPr>
+            <a:lvl9pPr marL="3657600" indent="0" algn="ctr" defTabSz="914400" rtl="0" eaLnBrk="1" latinLnBrk="0" hangingPunct="1">
+              <a:spcBef>
+                <a:spcPct val="20000"/>
+              </a:spcBef>
+              <a:buFont typeface="Arial" panose="020B0604020202020204" pitchFamily="34" charset="0"/>
+              <a:buNone/>
+              <a:defRPr sz="2000" kern="1200">
+                <a:solidFill>
+                  <a:schemeClr val="tx1">
+                    <a:tint val="75000"/>
+                  </a:schemeClr>
+                </a:solidFill>
+                <a:latin typeface="+mn-lt"/>
+                <a:ea typeface="+mn-ea"/>
+                <a:cs typeface="+mn-cs"/>
+              </a:defRPr>
+            </a:lvl9pPr>
+          </a:lstStyle>
+          <a:p>
+            <a:r>
+              <a:rPr lang="ru-RU" sz="2400" dirty="0" smtClean="0">
                 <a:solidFill>
                   <a:schemeClr val="bg1"/>
                 </a:solidFill>
               </a:rPr>
-              <a:t>Платформа отчетов</a:t>
-            </a:r>
-            <a:endParaRPr lang="ru-RU" dirty="0">
+              <a:t>Или просто - платформа отчётов.</a:t>
+            </a:r>
+            <a:endParaRPr lang="ru-RU" sz="2400" dirty="0">
               <a:solidFill>
                 <a:schemeClr val="bg1"/>
               </a:solidFill>
@@ -3189,7 +3500,7 @@
 </p:sld>
 </file>
 
-<file path=ppt/slides/slide2.xml><?xml version="1.0" encoding="utf-8"?>
+<file path=ppt/slides/slide10.xml><?xml version="1.0" encoding="utf-8"?>
 <p:sld xmlns:a="http://schemas.openxmlformats.org/drawingml/2006/main" xmlns:r="http://schemas.openxmlformats.org/officeDocument/2006/relationships" xmlns:p="http://schemas.openxmlformats.org/presentationml/2006/main">
   <p:cSld>
     <p:spTree>
@@ -3218,40 +3529,31 @@
         </p:nvSpPr>
         <p:spPr/>
         <p:txBody>
-          <a:bodyPr/>
-          <a:lstStyle/>
-          <a:p>
-            <a:r>
-              <a:rPr lang="ru-RU" dirty="0" err="1" smtClean="0"/>
-              <a:t>Импортозамещение</a:t>
-            </a:r>
-            <a:endParaRPr lang="ru-RU" dirty="0"/>
-          </a:p>
-        </p:txBody>
-      </p:sp>
-      <p:sp>
-        <p:nvSpPr>
-          <p:cNvPr id="3" name="Объект 2"/>
-          <p:cNvSpPr>
-            <a:spLocks noGrp="1"/>
-          </p:cNvSpPr>
-          <p:nvPr>
-            <p:ph idx="1"/>
-          </p:nvPr>
-        </p:nvSpPr>
-        <p:spPr/>
-        <p:txBody>
-          <a:bodyPr/>
-          <a:lstStyle/>
-          <a:p>
-            <a:endParaRPr lang="ru-RU"/>
+          <a:bodyPr>
+            <a:normAutofit fontScale="90000"/>
+          </a:bodyPr>
+          <a:lstStyle/>
+          <a:p>
+            <a:r>
+              <a:rPr lang="ru-RU" dirty="0" smtClean="0">
+                <a:solidFill>
+                  <a:schemeClr val="bg1"/>
+                </a:solidFill>
+              </a:rPr>
+              <a:t>Плот загрузит справочники по расписанию…</a:t>
+            </a:r>
+            <a:endParaRPr lang="ru-RU" dirty="0">
+              <a:solidFill>
+                <a:schemeClr val="bg1"/>
+              </a:solidFill>
+            </a:endParaRPr>
           </a:p>
         </p:txBody>
       </p:sp>
     </p:spTree>
     <p:extLst>
       <p:ext uri="{BB962C8B-B14F-4D97-AF65-F5344CB8AC3E}">
-        <p14:creationId xmlns:p14="http://schemas.microsoft.com/office/powerpoint/2010/main" val="1767367045"/>
+        <p14:creationId xmlns:p14="http://schemas.microsoft.com/office/powerpoint/2010/main" val="3381246840"/>
       </p:ext>
     </p:extLst>
   </p:cSld>
@@ -3265,6 +3567,2385 @@
       </p:par>
     </p:tnLst>
   </p:timing>
+</p:sld>
+</file>
+
+<file path=ppt/slides/slide11.xml><?xml version="1.0" encoding="utf-8"?>
+<p:sld xmlns:a="http://schemas.openxmlformats.org/drawingml/2006/main" xmlns:r="http://schemas.openxmlformats.org/officeDocument/2006/relationships" xmlns:p="http://schemas.openxmlformats.org/presentationml/2006/main">
+  <p:cSld>
+    <p:spTree>
+      <p:nvGrpSpPr>
+        <p:cNvPr id="1" name=""/>
+        <p:cNvGrpSpPr/>
+        <p:nvPr/>
+      </p:nvGrpSpPr>
+      <p:grpSpPr>
+        <a:xfrm>
+          <a:off x="0" y="0"/>
+          <a:ext cx="0" cy="0"/>
+          <a:chOff x="0" y="0"/>
+          <a:chExt cx="0" cy="0"/>
+        </a:xfrm>
+      </p:grpSpPr>
+      <p:sp>
+        <p:nvSpPr>
+          <p:cNvPr id="2" name="Заголовок 1"/>
+          <p:cNvSpPr>
+            <a:spLocks noGrp="1"/>
+          </p:cNvSpPr>
+          <p:nvPr>
+            <p:ph type="title"/>
+          </p:nvPr>
+        </p:nvSpPr>
+        <p:spPr/>
+        <p:txBody>
+          <a:bodyPr>
+            <a:normAutofit fontScale="90000"/>
+          </a:bodyPr>
+          <a:lstStyle/>
+          <a:p>
+            <a:r>
+              <a:rPr lang="ru-RU" dirty="0" smtClean="0">
+                <a:solidFill>
+                  <a:schemeClr val="bg1"/>
+                </a:solidFill>
+              </a:rPr>
+              <a:t>Облегчит ввод информации пользователю…</a:t>
+            </a:r>
+            <a:endParaRPr lang="ru-RU" dirty="0">
+              <a:solidFill>
+                <a:schemeClr val="bg1"/>
+              </a:solidFill>
+            </a:endParaRPr>
+          </a:p>
+        </p:txBody>
+      </p:sp>
+    </p:spTree>
+    <p:extLst>
+      <p:ext uri="{BB962C8B-B14F-4D97-AF65-F5344CB8AC3E}">
+        <p14:creationId xmlns:p14="http://schemas.microsoft.com/office/powerpoint/2010/main" val="2268865663"/>
+      </p:ext>
+    </p:extLst>
+  </p:cSld>
+  <p:clrMapOvr>
+    <a:masterClrMapping/>
+  </p:clrMapOvr>
+</p:sld>
+</file>
+
+<file path=ppt/slides/slide12.xml><?xml version="1.0" encoding="utf-8"?>
+<p:sld xmlns:a="http://schemas.openxmlformats.org/drawingml/2006/main" xmlns:r="http://schemas.openxmlformats.org/officeDocument/2006/relationships" xmlns:p="http://schemas.openxmlformats.org/presentationml/2006/main">
+  <p:cSld>
+    <p:spTree>
+      <p:nvGrpSpPr>
+        <p:cNvPr id="1" name=""/>
+        <p:cNvGrpSpPr/>
+        <p:nvPr/>
+      </p:nvGrpSpPr>
+      <p:grpSpPr>
+        <a:xfrm>
+          <a:off x="0" y="0"/>
+          <a:ext cx="0" cy="0"/>
+          <a:chOff x="0" y="0"/>
+          <a:chExt cx="0" cy="0"/>
+        </a:xfrm>
+      </p:grpSpPr>
+      <p:sp>
+        <p:nvSpPr>
+          <p:cNvPr id="2" name="Заголовок 1"/>
+          <p:cNvSpPr>
+            <a:spLocks noGrp="1"/>
+          </p:cNvSpPr>
+          <p:nvPr>
+            <p:ph type="title"/>
+          </p:nvPr>
+        </p:nvSpPr>
+        <p:spPr>
+          <a:xfrm>
+            <a:off x="467544" y="188640"/>
+            <a:ext cx="8229600" cy="1143000"/>
+          </a:xfrm>
+        </p:spPr>
+        <p:txBody>
+          <a:bodyPr>
+            <a:normAutofit/>
+          </a:bodyPr>
+          <a:lstStyle/>
+          <a:p>
+            <a:r>
+              <a:rPr lang="ru-RU" sz="2400" dirty="0" smtClean="0">
+                <a:solidFill>
+                  <a:schemeClr val="bg1"/>
+                </a:solidFill>
+              </a:rPr>
+              <a:t>В суматохе дня Вы забудете?</a:t>
+            </a:r>
+            <a:br>
+              <a:rPr lang="ru-RU" sz="2400" dirty="0" smtClean="0">
+                <a:solidFill>
+                  <a:schemeClr val="bg1"/>
+                </a:solidFill>
+              </a:rPr>
+            </a:br>
+            <a:r>
+              <a:rPr lang="ru-RU" sz="3200" dirty="0" smtClean="0">
+                <a:solidFill>
+                  <a:schemeClr val="bg1"/>
+                </a:solidFill>
+              </a:rPr>
+              <a:t>Мы напомним!</a:t>
+            </a:r>
+            <a:endParaRPr lang="ru-RU" sz="3200" dirty="0">
+              <a:solidFill>
+                <a:schemeClr val="bg1"/>
+              </a:solidFill>
+            </a:endParaRPr>
+          </a:p>
+        </p:txBody>
+      </p:sp>
+      <p:pic>
+        <p:nvPicPr>
+          <p:cNvPr id="5122" name="Picture 2"/>
+          <p:cNvPicPr>
+            <a:picLocks noChangeAspect="1" noChangeArrowheads="1"/>
+          </p:cNvPicPr>
+          <p:nvPr/>
+        </p:nvPicPr>
+        <p:blipFill>
+          <a:blip r:embed="rId2">
+            <a:extLst>
+              <a:ext uri="{28A0092B-C50C-407E-A947-70E740481C1C}">
+                <a14:useLocalDpi xmlns:a14="http://schemas.microsoft.com/office/drawing/2010/main" val="0"/>
+              </a:ext>
+            </a:extLst>
+          </a:blip>
+          <a:srcRect/>
+          <a:stretch>
+            <a:fillRect/>
+          </a:stretch>
+        </p:blipFill>
+        <p:spPr bwMode="auto">
+          <a:xfrm>
+            <a:off x="1835695" y="1268760"/>
+            <a:ext cx="5326347" cy="4328616"/>
+          </a:xfrm>
+          <a:prstGeom prst="rect">
+            <a:avLst/>
+          </a:prstGeom>
+          <a:noFill/>
+          <a:ln>
+            <a:noFill/>
+          </a:ln>
+          <a:effectLst>
+            <a:softEdge rad="63500"/>
+          </a:effectLst>
+          <a:extLst>
+            <a:ext uri="{909E8E84-426E-40DD-AFC4-6F175D3DCCD1}">
+              <a14:hiddenFill xmlns:a14="http://schemas.microsoft.com/office/drawing/2010/main">
+                <a:solidFill>
+                  <a:schemeClr val="accent1"/>
+                </a:solidFill>
+              </a14:hiddenFill>
+            </a:ext>
+            <a:ext uri="{91240B29-F687-4F45-9708-019B960494DF}">
+              <a14:hiddenLine xmlns:a14="http://schemas.microsoft.com/office/drawing/2010/main" w="9525">
+                <a:solidFill>
+                  <a:schemeClr val="tx1"/>
+                </a:solidFill>
+                <a:miter lim="800000"/>
+                <a:headEnd/>
+                <a:tailEnd/>
+              </a14:hiddenLine>
+            </a:ext>
+          </a:extLst>
+        </p:spPr>
+      </p:pic>
+      <p:sp>
+        <p:nvSpPr>
+          <p:cNvPr id="4" name="TextBox 3"/>
+          <p:cNvSpPr txBox="1"/>
+          <p:nvPr/>
+        </p:nvSpPr>
+        <p:spPr>
+          <a:xfrm>
+            <a:off x="179512" y="5805264"/>
+            <a:ext cx="8928992" cy="523220"/>
+          </a:xfrm>
+          <a:prstGeom prst="rect">
+            <a:avLst/>
+          </a:prstGeom>
+          <a:noFill/>
+        </p:spPr>
+        <p:txBody>
+          <a:bodyPr wrap="square" rtlCol="0">
+            <a:spAutoFit/>
+          </a:bodyPr>
+          <a:lstStyle/>
+          <a:p>
+            <a:r>
+              <a:rPr lang="ru-RU" sz="2800" dirty="0" smtClean="0">
+                <a:solidFill>
+                  <a:schemeClr val="bg1"/>
+                </a:solidFill>
+              </a:rPr>
+              <a:t>Наш телеграмм-бот всегда на страже интересов бизнеса!</a:t>
+            </a:r>
+            <a:endParaRPr lang="ru-RU" sz="2800" dirty="0">
+              <a:solidFill>
+                <a:schemeClr val="bg1"/>
+              </a:solidFill>
+            </a:endParaRPr>
+          </a:p>
+        </p:txBody>
+      </p:sp>
+    </p:spTree>
+    <p:extLst>
+      <p:ext uri="{BB962C8B-B14F-4D97-AF65-F5344CB8AC3E}">
+        <p14:creationId xmlns:p14="http://schemas.microsoft.com/office/powerpoint/2010/main" val="289620638"/>
+      </p:ext>
+    </p:extLst>
+  </p:cSld>
+  <p:clrMapOvr>
+    <a:masterClrMapping/>
+  </p:clrMapOvr>
+  <p:timing>
+    <p:tnLst>
+      <p:par>
+        <p:cTn id="1" dur="indefinite" restart="never" nodeType="tmRoot"/>
+      </p:par>
+    </p:tnLst>
+  </p:timing>
+</p:sld>
+</file>
+
+<file path=ppt/slides/slide13.xml><?xml version="1.0" encoding="utf-8"?>
+<p:sld xmlns:a="http://schemas.openxmlformats.org/drawingml/2006/main" xmlns:r="http://schemas.openxmlformats.org/officeDocument/2006/relationships" xmlns:p="http://schemas.openxmlformats.org/presentationml/2006/main">
+  <p:cSld>
+    <p:spTree>
+      <p:nvGrpSpPr>
+        <p:cNvPr id="1" name=""/>
+        <p:cNvGrpSpPr/>
+        <p:nvPr/>
+      </p:nvGrpSpPr>
+      <p:grpSpPr>
+        <a:xfrm>
+          <a:off x="0" y="0"/>
+          <a:ext cx="0" cy="0"/>
+          <a:chOff x="0" y="0"/>
+          <a:chExt cx="0" cy="0"/>
+        </a:xfrm>
+      </p:grpSpPr>
+      <p:sp>
+        <p:nvSpPr>
+          <p:cNvPr id="2" name="Заголовок 1"/>
+          <p:cNvSpPr>
+            <a:spLocks noGrp="1"/>
+          </p:cNvSpPr>
+          <p:nvPr>
+            <p:ph type="title"/>
+          </p:nvPr>
+        </p:nvSpPr>
+        <p:spPr/>
+        <p:txBody>
+          <a:bodyPr>
+            <a:normAutofit fontScale="90000"/>
+          </a:bodyPr>
+          <a:lstStyle/>
+          <a:p>
+            <a:r>
+              <a:rPr lang="ru-RU" dirty="0" smtClean="0">
+                <a:solidFill>
+                  <a:schemeClr val="bg1"/>
+                </a:solidFill>
+              </a:rPr>
+              <a:t>Заботливо сохранит всё самое важное…</a:t>
+            </a:r>
+            <a:endParaRPr lang="ru-RU" dirty="0">
+              <a:solidFill>
+                <a:schemeClr val="bg1"/>
+              </a:solidFill>
+            </a:endParaRPr>
+          </a:p>
+        </p:txBody>
+      </p:sp>
+    </p:spTree>
+    <p:extLst>
+      <p:ext uri="{BB962C8B-B14F-4D97-AF65-F5344CB8AC3E}">
+        <p14:creationId xmlns:p14="http://schemas.microsoft.com/office/powerpoint/2010/main" val="1337674203"/>
+      </p:ext>
+    </p:extLst>
+  </p:cSld>
+  <p:clrMapOvr>
+    <a:masterClrMapping/>
+  </p:clrMapOvr>
+</p:sld>
+</file>
+
+<file path=ppt/slides/slide14.xml><?xml version="1.0" encoding="utf-8"?>
+<p:sld xmlns:a="http://schemas.openxmlformats.org/drawingml/2006/main" xmlns:r="http://schemas.openxmlformats.org/officeDocument/2006/relationships" xmlns:p="http://schemas.openxmlformats.org/presentationml/2006/main">
+  <p:cSld>
+    <p:spTree>
+      <p:nvGrpSpPr>
+        <p:cNvPr id="1" name=""/>
+        <p:cNvGrpSpPr/>
+        <p:nvPr/>
+      </p:nvGrpSpPr>
+      <p:grpSpPr>
+        <a:xfrm>
+          <a:off x="0" y="0"/>
+          <a:ext cx="0" cy="0"/>
+          <a:chOff x="0" y="0"/>
+          <a:chExt cx="0" cy="0"/>
+        </a:xfrm>
+      </p:grpSpPr>
+      <p:sp>
+        <p:nvSpPr>
+          <p:cNvPr id="2" name="Заголовок 1"/>
+          <p:cNvSpPr>
+            <a:spLocks noGrp="1"/>
+          </p:cNvSpPr>
+          <p:nvPr>
+            <p:ph type="title"/>
+          </p:nvPr>
+        </p:nvSpPr>
+        <p:spPr>
+          <a:xfrm>
+            <a:off x="107504" y="274638"/>
+            <a:ext cx="8856984" cy="1143000"/>
+          </a:xfrm>
+        </p:spPr>
+        <p:txBody>
+          <a:bodyPr>
+            <a:noAutofit/>
+          </a:bodyPr>
+          <a:lstStyle/>
+          <a:p>
+            <a:r>
+              <a:rPr lang="ru-RU" sz="3800" dirty="0" smtClean="0">
+                <a:solidFill>
+                  <a:schemeClr val="bg1"/>
+                </a:solidFill>
+              </a:rPr>
+              <a:t>И соберёт всю разрозненную информацию вместе специально для Вас!</a:t>
+            </a:r>
+            <a:endParaRPr lang="ru-RU" sz="3800" dirty="0">
+              <a:solidFill>
+                <a:schemeClr val="bg1"/>
+              </a:solidFill>
+            </a:endParaRPr>
+          </a:p>
+        </p:txBody>
+      </p:sp>
+    </p:spTree>
+    <p:extLst>
+      <p:ext uri="{BB962C8B-B14F-4D97-AF65-F5344CB8AC3E}">
+        <p14:creationId xmlns:p14="http://schemas.microsoft.com/office/powerpoint/2010/main" val="115068559"/>
+      </p:ext>
+    </p:extLst>
+  </p:cSld>
+  <p:clrMapOvr>
+    <a:masterClrMapping/>
+  </p:clrMapOvr>
+</p:sld>
+</file>
+
+<file path=ppt/slides/slide15.xml><?xml version="1.0" encoding="utf-8"?>
+<p:sld xmlns:a="http://schemas.openxmlformats.org/drawingml/2006/main" xmlns:r="http://schemas.openxmlformats.org/officeDocument/2006/relationships" xmlns:p="http://schemas.openxmlformats.org/presentationml/2006/main">
+  <p:cSld>
+    <p:spTree>
+      <p:nvGrpSpPr>
+        <p:cNvPr id="1" name=""/>
+        <p:cNvGrpSpPr/>
+        <p:nvPr/>
+      </p:nvGrpSpPr>
+      <p:grpSpPr>
+        <a:xfrm>
+          <a:off x="0" y="0"/>
+          <a:ext cx="0" cy="0"/>
+          <a:chOff x="0" y="0"/>
+          <a:chExt cx="0" cy="0"/>
+        </a:xfrm>
+      </p:grpSpPr>
+      <p:sp>
+        <p:nvSpPr>
+          <p:cNvPr id="2" name="Заголовок 1"/>
+          <p:cNvSpPr>
+            <a:spLocks noGrp="1"/>
+          </p:cNvSpPr>
+          <p:nvPr>
+            <p:ph type="title"/>
+          </p:nvPr>
+        </p:nvSpPr>
+        <p:spPr>
+          <a:xfrm>
+            <a:off x="467544" y="476672"/>
+            <a:ext cx="8229600" cy="1143000"/>
+          </a:xfrm>
+        </p:spPr>
+        <p:txBody>
+          <a:bodyPr>
+            <a:normAutofit fontScale="90000"/>
+          </a:bodyPr>
+          <a:lstStyle/>
+          <a:p>
+            <a:r>
+              <a:rPr lang="ru-RU" dirty="0" smtClean="0">
+                <a:solidFill>
+                  <a:schemeClr val="bg1"/>
+                </a:solidFill>
+              </a:rPr>
+              <a:t>Признательны за внимание.</a:t>
+            </a:r>
+            <a:br>
+              <a:rPr lang="ru-RU" dirty="0" smtClean="0">
+                <a:solidFill>
+                  <a:schemeClr val="bg1"/>
+                </a:solidFill>
+              </a:rPr>
+            </a:br>
+            <a:r>
+              <a:rPr lang="ru-RU" dirty="0" smtClean="0">
+                <a:solidFill>
+                  <a:schemeClr val="bg1"/>
+                </a:solidFill>
+              </a:rPr>
+              <a:t>Всегда Ваша, Перфолента.</a:t>
+            </a:r>
+            <a:endParaRPr lang="ru-RU" dirty="0">
+              <a:solidFill>
+                <a:schemeClr val="bg1"/>
+              </a:solidFill>
+            </a:endParaRPr>
+          </a:p>
+        </p:txBody>
+      </p:sp>
+      <p:pic>
+        <p:nvPicPr>
+          <p:cNvPr id="4" name="Picture 2" descr="https://blog.kvv213.com/wp-content/uploads/2018/11/PUNCH-TAPE-1.jpg"/>
+          <p:cNvPicPr>
+            <a:picLocks noChangeAspect="1" noChangeArrowheads="1"/>
+          </p:cNvPicPr>
+          <p:nvPr/>
+        </p:nvPicPr>
+        <p:blipFill>
+          <a:blip r:embed="rId2">
+            <a:extLst>
+              <a:ext uri="{28A0092B-C50C-407E-A947-70E740481C1C}">
+                <a14:useLocalDpi xmlns:a14="http://schemas.microsoft.com/office/drawing/2010/main" val="0"/>
+              </a:ext>
+            </a:extLst>
+          </a:blip>
+          <a:srcRect/>
+          <a:stretch>
+            <a:fillRect/>
+          </a:stretch>
+        </p:blipFill>
+        <p:spPr bwMode="auto">
+          <a:xfrm>
+            <a:off x="1259632" y="2204864"/>
+            <a:ext cx="6912768" cy="4039650"/>
+          </a:xfrm>
+          <a:prstGeom prst="rect">
+            <a:avLst/>
+          </a:prstGeom>
+          <a:noFill/>
+          <a:effectLst>
+            <a:softEdge rad="127000"/>
+          </a:effectLst>
+          <a:extLst>
+            <a:ext uri="{909E8E84-426E-40DD-AFC4-6F175D3DCCD1}">
+              <a14:hiddenFill xmlns:a14="http://schemas.microsoft.com/office/drawing/2010/main">
+                <a:solidFill>
+                  <a:srgbClr val="FFFFFF"/>
+                </a:solidFill>
+              </a14:hiddenFill>
+            </a:ext>
+          </a:extLst>
+        </p:spPr>
+      </p:pic>
+    </p:spTree>
+    <p:extLst>
+      <p:ext uri="{BB962C8B-B14F-4D97-AF65-F5344CB8AC3E}">
+        <p14:creationId xmlns:p14="http://schemas.microsoft.com/office/powerpoint/2010/main" val="332779432"/>
+      </p:ext>
+    </p:extLst>
+  </p:cSld>
+  <p:clrMapOvr>
+    <a:masterClrMapping/>
+  </p:clrMapOvr>
+  <p:timing>
+    <p:tnLst>
+      <p:par>
+        <p:cTn id="1" dur="indefinite" restart="never" nodeType="tmRoot"/>
+      </p:par>
+    </p:tnLst>
+  </p:timing>
+</p:sld>
+</file>
+
+<file path=ppt/slides/slide2.xml><?xml version="1.0" encoding="utf-8"?>
+<p:sld xmlns:a="http://schemas.openxmlformats.org/drawingml/2006/main" xmlns:r="http://schemas.openxmlformats.org/officeDocument/2006/relationships" xmlns:p="http://schemas.openxmlformats.org/presentationml/2006/main">
+  <p:cSld>
+    <p:bg>
+      <p:bgPr>
+        <a:blipFill dpi="0" rotWithShape="1">
+          <a:blip r:embed="rId2">
+            <a:lum/>
+          </a:blip>
+          <a:srcRect/>
+          <a:stretch>
+            <a:fillRect l="-17000" r="-17000"/>
+          </a:stretch>
+        </a:blipFill>
+        <a:effectLst/>
+      </p:bgPr>
+    </p:bg>
+    <p:spTree>
+      <p:nvGrpSpPr>
+        <p:cNvPr id="1" name=""/>
+        <p:cNvGrpSpPr/>
+        <p:nvPr/>
+      </p:nvGrpSpPr>
+      <p:grpSpPr>
+        <a:xfrm>
+          <a:off x="0" y="0"/>
+          <a:ext cx="0" cy="0"/>
+          <a:chOff x="0" y="0"/>
+          <a:chExt cx="0" cy="0"/>
+        </a:xfrm>
+      </p:grpSpPr>
+      <p:sp>
+        <p:nvSpPr>
+          <p:cNvPr id="2" name="Заголовок 1"/>
+          <p:cNvSpPr>
+            <a:spLocks noGrp="1"/>
+          </p:cNvSpPr>
+          <p:nvPr>
+            <p:ph type="title"/>
+          </p:nvPr>
+        </p:nvSpPr>
+        <p:spPr>
+          <a:xfrm>
+            <a:off x="453545" y="4941168"/>
+            <a:ext cx="8229600" cy="1143000"/>
+          </a:xfrm>
+        </p:spPr>
+        <p:txBody>
+          <a:bodyPr>
+            <a:normAutofit/>
+          </a:bodyPr>
+          <a:lstStyle/>
+          <a:p>
+            <a:r>
+              <a:rPr lang="ru-RU" sz="2400" dirty="0" smtClean="0">
+                <a:solidFill>
+                  <a:schemeClr val="bg1"/>
+                </a:solidFill>
+              </a:rPr>
+              <a:t>Чтобы это было возможным, руководитель должен обладать достоверной и оперативной информацией!</a:t>
+            </a:r>
+            <a:endParaRPr lang="ru-RU" sz="2400" dirty="0">
+              <a:solidFill>
+                <a:schemeClr val="bg1"/>
+              </a:solidFill>
+            </a:endParaRPr>
+          </a:p>
+        </p:txBody>
+      </p:sp>
+      <p:pic>
+        <p:nvPicPr>
+          <p:cNvPr id="2050" name="Picture 2" descr="Как выглядит человек, который думает только о себе? - Как выглядит человек,  который думает только о себе? - Олег Сунцов"/>
+          <p:cNvPicPr>
+            <a:picLocks noChangeAspect="1" noChangeArrowheads="1"/>
+          </p:cNvPicPr>
+          <p:nvPr/>
+        </p:nvPicPr>
+        <p:blipFill>
+          <a:blip r:embed="rId3">
+            <a:extLst>
+              <a:ext uri="{28A0092B-C50C-407E-A947-70E740481C1C}">
+                <a14:useLocalDpi xmlns:a14="http://schemas.microsoft.com/office/drawing/2010/main" val="0"/>
+              </a:ext>
+            </a:extLst>
+          </a:blip>
+          <a:srcRect/>
+          <a:stretch>
+            <a:fillRect/>
+          </a:stretch>
+        </p:blipFill>
+        <p:spPr bwMode="auto">
+          <a:xfrm>
+            <a:off x="971600" y="1644004"/>
+            <a:ext cx="7193491" cy="3153148"/>
+          </a:xfrm>
+          <a:prstGeom prst="rect">
+            <a:avLst/>
+          </a:prstGeom>
+          <a:noFill/>
+          <a:effectLst>
+            <a:softEdge rad="127000"/>
+          </a:effectLst>
+          <a:extLst>
+            <a:ext uri="{909E8E84-426E-40DD-AFC4-6F175D3DCCD1}">
+              <a14:hiddenFill xmlns:a14="http://schemas.microsoft.com/office/drawing/2010/main">
+                <a:solidFill>
+                  <a:srgbClr val="FFFFFF"/>
+                </a:solidFill>
+              </a14:hiddenFill>
+            </a:ext>
+          </a:extLst>
+        </p:spPr>
+      </p:pic>
+      <p:sp>
+        <p:nvSpPr>
+          <p:cNvPr id="6" name="Заголовок 1"/>
+          <p:cNvSpPr txBox="1">
+            <a:spLocks/>
+          </p:cNvSpPr>
+          <p:nvPr/>
+        </p:nvSpPr>
+        <p:spPr>
+          <a:xfrm>
+            <a:off x="395536" y="260648"/>
+            <a:ext cx="8229600" cy="1143000"/>
+          </a:xfrm>
+          <a:prstGeom prst="rect">
+            <a:avLst/>
+          </a:prstGeom>
+        </p:spPr>
+        <p:txBody>
+          <a:bodyPr vert="horz" lIns="91440" tIns="45720" rIns="91440" bIns="45720" rtlCol="0" anchor="ctr">
+            <a:normAutofit fontScale="97500"/>
+          </a:bodyPr>
+          <a:lstStyle>
+            <a:lvl1pPr algn="ctr" defTabSz="914400" rtl="0" eaLnBrk="1" latinLnBrk="0" hangingPunct="1">
+              <a:spcBef>
+                <a:spcPct val="0"/>
+              </a:spcBef>
+              <a:buNone/>
+              <a:defRPr sz="4400" kern="1200">
+                <a:solidFill>
+                  <a:schemeClr val="tx1"/>
+                </a:solidFill>
+                <a:latin typeface="+mj-lt"/>
+                <a:ea typeface="+mj-ea"/>
+                <a:cs typeface="+mj-cs"/>
+              </a:defRPr>
+            </a:lvl1pPr>
+          </a:lstStyle>
+          <a:p>
+            <a:r>
+              <a:rPr lang="ru-RU" sz="2400" dirty="0" smtClean="0">
+                <a:solidFill>
+                  <a:schemeClr val="bg1"/>
+                </a:solidFill>
+              </a:rPr>
+              <a:t>В бурном потоке финансовой информации, чтобы оставаться на плаву, необходимо своевременно принимать взвешенные и зачастую непростые решения.</a:t>
+            </a:r>
+            <a:endParaRPr lang="ru-RU" sz="2400" dirty="0">
+              <a:solidFill>
+                <a:schemeClr val="bg1"/>
+              </a:solidFill>
+            </a:endParaRPr>
+          </a:p>
+        </p:txBody>
+      </p:sp>
+    </p:spTree>
+    <p:extLst>
+      <p:ext uri="{BB962C8B-B14F-4D97-AF65-F5344CB8AC3E}">
+        <p14:creationId xmlns:p14="http://schemas.microsoft.com/office/powerpoint/2010/main" val="265647251"/>
+      </p:ext>
+    </p:extLst>
+  </p:cSld>
+  <p:clrMapOvr>
+    <a:masterClrMapping/>
+  </p:clrMapOvr>
+  <p:timing>
+    <p:tnLst>
+      <p:par>
+        <p:cTn id="1" dur="indefinite" restart="never" nodeType="tmRoot"/>
+      </p:par>
+    </p:tnLst>
+  </p:timing>
+</p:sld>
+</file>
+
+<file path=ppt/slides/slide3.xml><?xml version="1.0" encoding="utf-8"?>
+<p:sld xmlns:a="http://schemas.openxmlformats.org/drawingml/2006/main" xmlns:r="http://schemas.openxmlformats.org/officeDocument/2006/relationships" xmlns:p="http://schemas.openxmlformats.org/presentationml/2006/main">
+  <p:cSld>
+    <p:spTree>
+      <p:nvGrpSpPr>
+        <p:cNvPr id="1" name=""/>
+        <p:cNvGrpSpPr/>
+        <p:nvPr/>
+      </p:nvGrpSpPr>
+      <p:grpSpPr>
+        <a:xfrm>
+          <a:off x="0" y="0"/>
+          <a:ext cx="0" cy="0"/>
+          <a:chOff x="0" y="0"/>
+          <a:chExt cx="0" cy="0"/>
+        </a:xfrm>
+      </p:grpSpPr>
+      <p:pic>
+        <p:nvPicPr>
+          <p:cNvPr id="3074" name="Picture 2" descr="10 причин любить корпоративную жизнь"/>
+          <p:cNvPicPr>
+            <a:picLocks noChangeAspect="1" noChangeArrowheads="1"/>
+          </p:cNvPicPr>
+          <p:nvPr/>
+        </p:nvPicPr>
+        <p:blipFill>
+          <a:blip r:embed="rId2">
+            <a:extLst>
+              <a:ext uri="{28A0092B-C50C-407E-A947-70E740481C1C}">
+                <a14:useLocalDpi xmlns:a14="http://schemas.microsoft.com/office/drawing/2010/main" val="0"/>
+              </a:ext>
+            </a:extLst>
+          </a:blip>
+          <a:srcRect/>
+          <a:stretch>
+            <a:fillRect/>
+          </a:stretch>
+        </p:blipFill>
+        <p:spPr bwMode="auto">
+          <a:xfrm>
+            <a:off x="1619672" y="1258313"/>
+            <a:ext cx="6057900" cy="4286250"/>
+          </a:xfrm>
+          <a:prstGeom prst="rect">
+            <a:avLst/>
+          </a:prstGeom>
+          <a:noFill/>
+          <a:effectLst>
+            <a:softEdge rad="127000"/>
+          </a:effectLst>
+          <a:extLst>
+            <a:ext uri="{909E8E84-426E-40DD-AFC4-6F175D3DCCD1}">
+              <a14:hiddenFill xmlns:a14="http://schemas.microsoft.com/office/drawing/2010/main">
+                <a:solidFill>
+                  <a:srgbClr val="FFFFFF"/>
+                </a:solidFill>
+              </a14:hiddenFill>
+            </a:ext>
+          </a:extLst>
+        </p:spPr>
+      </p:pic>
+      <p:sp>
+        <p:nvSpPr>
+          <p:cNvPr id="2" name="Заголовок 1"/>
+          <p:cNvSpPr>
+            <a:spLocks noGrp="1"/>
+          </p:cNvSpPr>
+          <p:nvPr>
+            <p:ph type="title"/>
+          </p:nvPr>
+        </p:nvSpPr>
+        <p:spPr/>
+        <p:txBody>
+          <a:bodyPr>
+            <a:normAutofit/>
+          </a:bodyPr>
+          <a:lstStyle/>
+          <a:p>
+            <a:r>
+              <a:rPr lang="ru-RU" sz="2800" dirty="0" smtClean="0">
+                <a:solidFill>
+                  <a:schemeClr val="bg1"/>
+                </a:solidFill>
+              </a:rPr>
+              <a:t>Иногда так сложно получить нужное вовремя, за всем не уследишь, всего не сделаешь один…</a:t>
+            </a:r>
+            <a:endParaRPr lang="ru-RU" sz="2800" dirty="0">
+              <a:solidFill>
+                <a:schemeClr val="bg1"/>
+              </a:solidFill>
+            </a:endParaRPr>
+          </a:p>
+        </p:txBody>
+      </p:sp>
+      <p:sp>
+        <p:nvSpPr>
+          <p:cNvPr id="5" name="Заголовок 1"/>
+          <p:cNvSpPr txBox="1">
+            <a:spLocks/>
+          </p:cNvSpPr>
+          <p:nvPr/>
+        </p:nvSpPr>
+        <p:spPr>
+          <a:xfrm>
+            <a:off x="609600" y="5373216"/>
+            <a:ext cx="8229600" cy="1143000"/>
+          </a:xfrm>
+          <a:prstGeom prst="rect">
+            <a:avLst/>
+          </a:prstGeom>
+        </p:spPr>
+        <p:txBody>
+          <a:bodyPr vert="horz" lIns="91440" tIns="45720" rIns="91440" bIns="45720" rtlCol="0" anchor="ctr">
+            <a:normAutofit/>
+          </a:bodyPr>
+          <a:lstStyle>
+            <a:lvl1pPr algn="ctr" defTabSz="914400" rtl="0" eaLnBrk="1" latinLnBrk="0" hangingPunct="1">
+              <a:spcBef>
+                <a:spcPct val="0"/>
+              </a:spcBef>
+              <a:buNone/>
+              <a:defRPr sz="4400" kern="1200">
+                <a:solidFill>
+                  <a:schemeClr val="tx1"/>
+                </a:solidFill>
+                <a:latin typeface="+mj-lt"/>
+                <a:ea typeface="+mj-ea"/>
+                <a:cs typeface="+mj-cs"/>
+              </a:defRPr>
+            </a:lvl1pPr>
+          </a:lstStyle>
+          <a:p>
+            <a:r>
+              <a:rPr lang="ru-RU" sz="2800" dirty="0" smtClean="0">
+                <a:solidFill>
+                  <a:schemeClr val="bg1"/>
+                </a:solidFill>
+              </a:rPr>
+              <a:t>И почему не заставить современные информационные технологии работать на Вас!</a:t>
+            </a:r>
+            <a:endParaRPr lang="ru-RU" sz="2800" dirty="0">
+              <a:solidFill>
+                <a:schemeClr val="bg1"/>
+              </a:solidFill>
+            </a:endParaRPr>
+          </a:p>
+        </p:txBody>
+      </p:sp>
+    </p:spTree>
+    <p:extLst>
+      <p:ext uri="{BB962C8B-B14F-4D97-AF65-F5344CB8AC3E}">
+        <p14:creationId xmlns:p14="http://schemas.microsoft.com/office/powerpoint/2010/main" val="3117324755"/>
+      </p:ext>
+    </p:extLst>
+  </p:cSld>
+  <p:clrMapOvr>
+    <a:masterClrMapping/>
+  </p:clrMapOvr>
+  <p:timing>
+    <p:tnLst>
+      <p:par>
+        <p:cTn id="1" dur="indefinite" restart="never" nodeType="tmRoot"/>
+      </p:par>
+    </p:tnLst>
+  </p:timing>
+</p:sld>
+</file>
+
+<file path=ppt/slides/slide4.xml><?xml version="1.0" encoding="utf-8"?>
+<p:sld xmlns:a="http://schemas.openxmlformats.org/drawingml/2006/main" xmlns:r="http://schemas.openxmlformats.org/officeDocument/2006/relationships" xmlns:p="http://schemas.openxmlformats.org/presentationml/2006/main">
+  <p:cSld>
+    <p:spTree>
+      <p:nvGrpSpPr>
+        <p:cNvPr id="1" name=""/>
+        <p:cNvGrpSpPr/>
+        <p:nvPr/>
+      </p:nvGrpSpPr>
+      <p:grpSpPr>
+        <a:xfrm>
+          <a:off x="0" y="0"/>
+          <a:ext cx="0" cy="0"/>
+          <a:chOff x="0" y="0"/>
+          <a:chExt cx="0" cy="0"/>
+        </a:xfrm>
+      </p:grpSpPr>
+      <p:sp>
+        <p:nvSpPr>
+          <p:cNvPr id="2" name="Заголовок 1"/>
+          <p:cNvSpPr>
+            <a:spLocks noGrp="1"/>
+          </p:cNvSpPr>
+          <p:nvPr>
+            <p:ph type="title"/>
+          </p:nvPr>
+        </p:nvSpPr>
+        <p:spPr>
+          <a:xfrm>
+            <a:off x="457200" y="274638"/>
+            <a:ext cx="8229600" cy="778098"/>
+          </a:xfrm>
+        </p:spPr>
+        <p:txBody>
+          <a:bodyPr>
+            <a:normAutofit/>
+          </a:bodyPr>
+          <a:lstStyle/>
+          <a:p>
+            <a:r>
+              <a:rPr lang="ru-RU" sz="3200" dirty="0" smtClean="0">
+                <a:solidFill>
+                  <a:schemeClr val="bg1"/>
+                </a:solidFill>
+              </a:rPr>
+              <a:t>Капризные </a:t>
+            </a:r>
+            <a:r>
+              <a:rPr lang="ru-RU" sz="3200" dirty="0" err="1" smtClean="0">
+                <a:solidFill>
+                  <a:schemeClr val="bg1"/>
+                </a:solidFill>
+              </a:rPr>
+              <a:t>вендоры</a:t>
+            </a:r>
+            <a:r>
+              <a:rPr lang="ru-RU" sz="3200" dirty="0" smtClean="0">
+                <a:solidFill>
+                  <a:schemeClr val="bg1"/>
+                </a:solidFill>
+              </a:rPr>
+              <a:t>.</a:t>
+            </a:r>
+            <a:endParaRPr lang="ru-RU" sz="3200" dirty="0">
+              <a:solidFill>
+                <a:schemeClr val="bg1"/>
+              </a:solidFill>
+            </a:endParaRPr>
+          </a:p>
+        </p:txBody>
+      </p:sp>
+      <p:sp>
+        <p:nvSpPr>
+          <p:cNvPr id="5" name="TextBox 4"/>
+          <p:cNvSpPr txBox="1"/>
+          <p:nvPr/>
+        </p:nvSpPr>
+        <p:spPr>
+          <a:xfrm>
+            <a:off x="539552" y="5157192"/>
+            <a:ext cx="8144073" cy="1384995"/>
+          </a:xfrm>
+          <a:prstGeom prst="rect">
+            <a:avLst/>
+          </a:prstGeom>
+          <a:noFill/>
+        </p:spPr>
+        <p:txBody>
+          <a:bodyPr wrap="square" rtlCol="0">
+            <a:spAutoFit/>
+          </a:bodyPr>
+          <a:lstStyle/>
+          <a:p>
+            <a:pPr algn="ctr">
+              <a:spcAft>
+                <a:spcPts val="1200"/>
+              </a:spcAft>
+            </a:pPr>
+            <a:r>
+              <a:rPr lang="ru-RU" sz="2800" dirty="0" smtClean="0">
+                <a:solidFill>
+                  <a:schemeClr val="bg1"/>
+                </a:solidFill>
+              </a:rPr>
+              <a:t>Открытость и юридическая чистота используемых нами технологий гарантирует независимость от любых санкций!</a:t>
+            </a:r>
+          </a:p>
+        </p:txBody>
+      </p:sp>
+      <p:sp>
+        <p:nvSpPr>
+          <p:cNvPr id="7" name="AutoShape 6" descr="Spring Boot"/>
+          <p:cNvSpPr>
+            <a:spLocks noChangeAspect="1" noChangeArrowheads="1"/>
+          </p:cNvSpPr>
+          <p:nvPr/>
+        </p:nvSpPr>
+        <p:spPr bwMode="auto">
+          <a:xfrm>
+            <a:off x="155575" y="-144463"/>
+            <a:ext cx="304800" cy="304801"/>
+          </a:xfrm>
+          <a:prstGeom prst="rect">
+            <a:avLst/>
+          </a:prstGeom>
+          <a:noFill/>
+          <a:extLst>
+            <a:ext uri="{909E8E84-426E-40DD-AFC4-6F175D3DCCD1}">
+              <a14:hiddenFill xmlns:a14="http://schemas.microsoft.com/office/drawing/2010/main">
+                <a:solidFill>
+                  <a:srgbClr val="FFFFFF"/>
+                </a:solidFill>
+              </a14:hiddenFill>
+            </a:ext>
+          </a:extLst>
+        </p:spPr>
+        <p:txBody>
+          <a:bodyPr vert="horz" wrap="square" lIns="91440" tIns="45720" rIns="91440" bIns="45720" numCol="1" anchor="t" anchorCtr="0" compatLnSpc="1">
+            <a:prstTxWarp prst="textNoShape">
+              <a:avLst/>
+            </a:prstTxWarp>
+          </a:bodyPr>
+          <a:lstStyle/>
+          <a:p>
+            <a:endParaRPr lang="ru-RU"/>
+          </a:p>
+        </p:txBody>
+      </p:sp>
+      <p:sp>
+        <p:nvSpPr>
+          <p:cNvPr id="8" name="AutoShape 8" descr="Spring Boot"/>
+          <p:cNvSpPr>
+            <a:spLocks noChangeAspect="1" noChangeArrowheads="1"/>
+          </p:cNvSpPr>
+          <p:nvPr/>
+        </p:nvSpPr>
+        <p:spPr bwMode="auto">
+          <a:xfrm>
+            <a:off x="307975" y="7937"/>
+            <a:ext cx="304800" cy="304801"/>
+          </a:xfrm>
+          <a:prstGeom prst="rect">
+            <a:avLst/>
+          </a:prstGeom>
+          <a:noFill/>
+          <a:extLst>
+            <a:ext uri="{909E8E84-426E-40DD-AFC4-6F175D3DCCD1}">
+              <a14:hiddenFill xmlns:a14="http://schemas.microsoft.com/office/drawing/2010/main">
+                <a:solidFill>
+                  <a:srgbClr val="FFFFFF"/>
+                </a:solidFill>
+              </a14:hiddenFill>
+            </a:ext>
+          </a:extLst>
+        </p:spPr>
+        <p:txBody>
+          <a:bodyPr vert="horz" wrap="square" lIns="91440" tIns="45720" rIns="91440" bIns="45720" numCol="1" anchor="t" anchorCtr="0" compatLnSpc="1">
+            <a:prstTxWarp prst="textNoShape">
+              <a:avLst/>
+            </a:prstTxWarp>
+          </a:bodyPr>
+          <a:lstStyle/>
+          <a:p>
+            <a:endParaRPr lang="ru-RU"/>
+          </a:p>
+        </p:txBody>
+      </p:sp>
+      <p:sp>
+        <p:nvSpPr>
+          <p:cNvPr id="9" name="AutoShape 10" descr="Spring Boot"/>
+          <p:cNvSpPr>
+            <a:spLocks noChangeAspect="1" noChangeArrowheads="1"/>
+          </p:cNvSpPr>
+          <p:nvPr/>
+        </p:nvSpPr>
+        <p:spPr bwMode="auto">
+          <a:xfrm>
+            <a:off x="460375" y="160337"/>
+            <a:ext cx="304800" cy="304801"/>
+          </a:xfrm>
+          <a:prstGeom prst="rect">
+            <a:avLst/>
+          </a:prstGeom>
+          <a:noFill/>
+          <a:extLst>
+            <a:ext uri="{909E8E84-426E-40DD-AFC4-6F175D3DCCD1}">
+              <a14:hiddenFill xmlns:a14="http://schemas.microsoft.com/office/drawing/2010/main">
+                <a:solidFill>
+                  <a:srgbClr val="FFFFFF"/>
+                </a:solidFill>
+              </a14:hiddenFill>
+            </a:ext>
+          </a:extLst>
+        </p:spPr>
+        <p:txBody>
+          <a:bodyPr vert="horz" wrap="square" lIns="91440" tIns="45720" rIns="91440" bIns="45720" numCol="1" anchor="t" anchorCtr="0" compatLnSpc="1">
+            <a:prstTxWarp prst="textNoShape">
+              <a:avLst/>
+            </a:prstTxWarp>
+          </a:bodyPr>
+          <a:lstStyle/>
+          <a:p>
+            <a:endParaRPr lang="ru-RU"/>
+          </a:p>
+        </p:txBody>
+      </p:sp>
+      <p:pic>
+        <p:nvPicPr>
+          <p:cNvPr id="4126" name="Picture 30"/>
+          <p:cNvPicPr>
+            <a:picLocks noChangeAspect="1" noChangeArrowheads="1"/>
+          </p:cNvPicPr>
+          <p:nvPr/>
+        </p:nvPicPr>
+        <p:blipFill>
+          <a:blip r:embed="rId2">
+            <a:extLst>
+              <a:ext uri="{28A0092B-C50C-407E-A947-70E740481C1C}">
+                <a14:useLocalDpi xmlns:a14="http://schemas.microsoft.com/office/drawing/2010/main" val="0"/>
+              </a:ext>
+            </a:extLst>
+          </a:blip>
+          <a:srcRect/>
+          <a:stretch>
+            <a:fillRect/>
+          </a:stretch>
+        </p:blipFill>
+        <p:spPr bwMode="auto">
+          <a:xfrm>
+            <a:off x="671685" y="2204864"/>
+            <a:ext cx="2973635" cy="2749492"/>
+          </a:xfrm>
+          <a:prstGeom prst="rect">
+            <a:avLst/>
+          </a:prstGeom>
+          <a:noFill/>
+          <a:ln>
+            <a:noFill/>
+          </a:ln>
+          <a:effectLst>
+            <a:softEdge rad="31750"/>
+          </a:effectLst>
+          <a:extLst>
+            <a:ext uri="{909E8E84-426E-40DD-AFC4-6F175D3DCCD1}">
+              <a14:hiddenFill xmlns:a14="http://schemas.microsoft.com/office/drawing/2010/main">
+                <a:solidFill>
+                  <a:schemeClr val="accent1"/>
+                </a:solidFill>
+              </a14:hiddenFill>
+            </a:ext>
+            <a:ext uri="{91240B29-F687-4F45-9708-019B960494DF}">
+              <a14:hiddenLine xmlns:a14="http://schemas.microsoft.com/office/drawing/2010/main" w="9525">
+                <a:solidFill>
+                  <a:schemeClr val="tx1"/>
+                </a:solidFill>
+                <a:miter lim="800000"/>
+                <a:headEnd/>
+                <a:tailEnd/>
+              </a14:hiddenLine>
+            </a:ext>
+          </a:extLst>
+        </p:spPr>
+      </p:pic>
+      <p:pic>
+        <p:nvPicPr>
+          <p:cNvPr id="4127" name="Picture 31"/>
+          <p:cNvPicPr>
+            <a:picLocks noChangeAspect="1" noChangeArrowheads="1"/>
+          </p:cNvPicPr>
+          <p:nvPr/>
+        </p:nvPicPr>
+        <p:blipFill>
+          <a:blip r:embed="rId3" cstate="print">
+            <a:extLst>
+              <a:ext uri="{28A0092B-C50C-407E-A947-70E740481C1C}">
+                <a14:useLocalDpi xmlns:a14="http://schemas.microsoft.com/office/drawing/2010/main" val="0"/>
+              </a:ext>
+            </a:extLst>
+          </a:blip>
+          <a:srcRect/>
+          <a:stretch>
+            <a:fillRect/>
+          </a:stretch>
+        </p:blipFill>
+        <p:spPr bwMode="auto">
+          <a:xfrm>
+            <a:off x="5449664" y="1618389"/>
+            <a:ext cx="3029006" cy="2757622"/>
+          </a:xfrm>
+          <a:prstGeom prst="rect">
+            <a:avLst/>
+          </a:prstGeom>
+          <a:noFill/>
+          <a:ln>
+            <a:noFill/>
+          </a:ln>
+          <a:effectLst>
+            <a:softEdge rad="31750"/>
+          </a:effectLst>
+          <a:extLst>
+            <a:ext uri="{909E8E84-426E-40DD-AFC4-6F175D3DCCD1}">
+              <a14:hiddenFill xmlns:a14="http://schemas.microsoft.com/office/drawing/2010/main">
+                <a:solidFill>
+                  <a:schemeClr val="accent1"/>
+                </a:solidFill>
+              </a14:hiddenFill>
+            </a:ext>
+            <a:ext uri="{91240B29-F687-4F45-9708-019B960494DF}">
+              <a14:hiddenLine xmlns:a14="http://schemas.microsoft.com/office/drawing/2010/main" w="9525">
+                <a:solidFill>
+                  <a:schemeClr val="tx1"/>
+                </a:solidFill>
+                <a:miter lim="800000"/>
+                <a:headEnd/>
+                <a:tailEnd/>
+              </a14:hiddenLine>
+            </a:ext>
+          </a:extLst>
+        </p:spPr>
+      </p:pic>
+      <p:pic>
+        <p:nvPicPr>
+          <p:cNvPr id="4128" name="Picture 32"/>
+          <p:cNvPicPr>
+            <a:picLocks noChangeAspect="1" noChangeArrowheads="1"/>
+          </p:cNvPicPr>
+          <p:nvPr/>
+        </p:nvPicPr>
+        <p:blipFill>
+          <a:blip r:embed="rId4" cstate="print">
+            <a:extLst>
+              <a:ext uri="{28A0092B-C50C-407E-A947-70E740481C1C}">
+                <a14:useLocalDpi xmlns:a14="http://schemas.microsoft.com/office/drawing/2010/main" val="0"/>
+              </a:ext>
+            </a:extLst>
+          </a:blip>
+          <a:srcRect/>
+          <a:stretch>
+            <a:fillRect/>
+          </a:stretch>
+        </p:blipFill>
+        <p:spPr bwMode="auto">
+          <a:xfrm>
+            <a:off x="2627784" y="1350137"/>
+            <a:ext cx="3229586" cy="1709453"/>
+          </a:xfrm>
+          <a:prstGeom prst="rect">
+            <a:avLst/>
+          </a:prstGeom>
+          <a:noFill/>
+          <a:ln>
+            <a:noFill/>
+          </a:ln>
+          <a:effectLst>
+            <a:softEdge rad="63500"/>
+          </a:effectLst>
+          <a:extLst>
+            <a:ext uri="{909E8E84-426E-40DD-AFC4-6F175D3DCCD1}">
+              <a14:hiddenFill xmlns:a14="http://schemas.microsoft.com/office/drawing/2010/main">
+                <a:solidFill>
+                  <a:schemeClr val="accent1"/>
+                </a:solidFill>
+              </a14:hiddenFill>
+            </a:ext>
+            <a:ext uri="{91240B29-F687-4F45-9708-019B960494DF}">
+              <a14:hiddenLine xmlns:a14="http://schemas.microsoft.com/office/drawing/2010/main" w="9525">
+                <a:solidFill>
+                  <a:schemeClr val="tx1"/>
+                </a:solidFill>
+                <a:miter lim="800000"/>
+                <a:headEnd/>
+                <a:tailEnd/>
+              </a14:hiddenLine>
+            </a:ext>
+          </a:extLst>
+        </p:spPr>
+      </p:pic>
+    </p:spTree>
+    <p:extLst>
+      <p:ext uri="{BB962C8B-B14F-4D97-AF65-F5344CB8AC3E}">
+        <p14:creationId xmlns:p14="http://schemas.microsoft.com/office/powerpoint/2010/main" val="2702239874"/>
+      </p:ext>
+    </p:extLst>
+  </p:cSld>
+  <p:clrMapOvr>
+    <a:masterClrMapping/>
+  </p:clrMapOvr>
+  <p:timing>
+    <p:tnLst>
+      <p:par>
+        <p:cTn id="1" dur="indefinite" restart="never" nodeType="tmRoot"/>
+      </p:par>
+    </p:tnLst>
+  </p:timing>
+</p:sld>
+</file>
+
+<file path=ppt/slides/slide5.xml><?xml version="1.0" encoding="utf-8"?>
+<p:sld xmlns:a="http://schemas.openxmlformats.org/drawingml/2006/main" xmlns:r="http://schemas.openxmlformats.org/officeDocument/2006/relationships" xmlns:p="http://schemas.openxmlformats.org/presentationml/2006/main">
+  <p:cSld>
+    <p:spTree>
+      <p:nvGrpSpPr>
+        <p:cNvPr id="1" name=""/>
+        <p:cNvGrpSpPr/>
+        <p:nvPr/>
+      </p:nvGrpSpPr>
+      <p:grpSpPr>
+        <a:xfrm>
+          <a:off x="0" y="0"/>
+          <a:ext cx="0" cy="0"/>
+          <a:chOff x="0" y="0"/>
+          <a:chExt cx="0" cy="0"/>
+        </a:xfrm>
+      </p:grpSpPr>
+      <p:sp>
+        <p:nvSpPr>
+          <p:cNvPr id="2" name="Заголовок 1"/>
+          <p:cNvSpPr>
+            <a:spLocks noGrp="1"/>
+          </p:cNvSpPr>
+          <p:nvPr>
+            <p:ph type="title"/>
+          </p:nvPr>
+        </p:nvSpPr>
+        <p:spPr>
+          <a:xfrm>
+            <a:off x="457200" y="274638"/>
+            <a:ext cx="8229600" cy="778098"/>
+          </a:xfrm>
+        </p:spPr>
+        <p:txBody>
+          <a:bodyPr>
+            <a:normAutofit/>
+          </a:bodyPr>
+          <a:lstStyle/>
+          <a:p>
+            <a:r>
+              <a:rPr lang="ru-RU" sz="3200" dirty="0" smtClean="0">
+                <a:solidFill>
+                  <a:schemeClr val="bg1"/>
+                </a:solidFill>
+              </a:rPr>
+              <a:t>Открытые технологии.</a:t>
+            </a:r>
+            <a:endParaRPr lang="ru-RU" sz="3200" dirty="0">
+              <a:solidFill>
+                <a:schemeClr val="bg1"/>
+              </a:solidFill>
+            </a:endParaRPr>
+          </a:p>
+        </p:txBody>
+      </p:sp>
+      <p:sp>
+        <p:nvSpPr>
+          <p:cNvPr id="5" name="TextBox 4"/>
+          <p:cNvSpPr txBox="1"/>
+          <p:nvPr/>
+        </p:nvSpPr>
+        <p:spPr>
+          <a:xfrm>
+            <a:off x="247165" y="5373216"/>
+            <a:ext cx="6048672" cy="923330"/>
+          </a:xfrm>
+          <a:prstGeom prst="rect">
+            <a:avLst/>
+          </a:prstGeom>
+          <a:noFill/>
+        </p:spPr>
+        <p:txBody>
+          <a:bodyPr wrap="square" rtlCol="0">
+            <a:spAutoFit/>
+          </a:bodyPr>
+          <a:lstStyle/>
+          <a:p>
+            <a:pPr>
+              <a:spcAft>
+                <a:spcPts val="1200"/>
+              </a:spcAft>
+            </a:pPr>
+            <a:r>
+              <a:rPr lang="ru-RU" dirty="0" smtClean="0">
+                <a:solidFill>
+                  <a:schemeClr val="bg1"/>
+                </a:solidFill>
+              </a:rPr>
+              <a:t>Поддержка решения так же не составит труда, ведь мы используем популярное! А популярное оно, потому что ЛУЧШЕЕ!</a:t>
+            </a:r>
+            <a:endParaRPr lang="ru-RU" dirty="0">
+              <a:solidFill>
+                <a:schemeClr val="bg1"/>
+              </a:solidFill>
+            </a:endParaRPr>
+          </a:p>
+        </p:txBody>
+      </p:sp>
+      <p:sp>
+        <p:nvSpPr>
+          <p:cNvPr id="7" name="AutoShape 6" descr="Spring Boot"/>
+          <p:cNvSpPr>
+            <a:spLocks noChangeAspect="1" noChangeArrowheads="1"/>
+          </p:cNvSpPr>
+          <p:nvPr/>
+        </p:nvSpPr>
+        <p:spPr bwMode="auto">
+          <a:xfrm>
+            <a:off x="155575" y="-144463"/>
+            <a:ext cx="304800" cy="304801"/>
+          </a:xfrm>
+          <a:prstGeom prst="rect">
+            <a:avLst/>
+          </a:prstGeom>
+          <a:noFill/>
+          <a:extLst>
+            <a:ext uri="{909E8E84-426E-40DD-AFC4-6F175D3DCCD1}">
+              <a14:hiddenFill xmlns:a14="http://schemas.microsoft.com/office/drawing/2010/main">
+                <a:solidFill>
+                  <a:srgbClr val="FFFFFF"/>
+                </a:solidFill>
+              </a14:hiddenFill>
+            </a:ext>
+          </a:extLst>
+        </p:spPr>
+        <p:txBody>
+          <a:bodyPr vert="horz" wrap="square" lIns="91440" tIns="45720" rIns="91440" bIns="45720" numCol="1" anchor="t" anchorCtr="0" compatLnSpc="1">
+            <a:prstTxWarp prst="textNoShape">
+              <a:avLst/>
+            </a:prstTxWarp>
+          </a:bodyPr>
+          <a:lstStyle/>
+          <a:p>
+            <a:endParaRPr lang="ru-RU"/>
+          </a:p>
+        </p:txBody>
+      </p:sp>
+      <p:sp>
+        <p:nvSpPr>
+          <p:cNvPr id="8" name="AutoShape 8" descr="Spring Boot"/>
+          <p:cNvSpPr>
+            <a:spLocks noChangeAspect="1" noChangeArrowheads="1"/>
+          </p:cNvSpPr>
+          <p:nvPr/>
+        </p:nvSpPr>
+        <p:spPr bwMode="auto">
+          <a:xfrm>
+            <a:off x="307975" y="7937"/>
+            <a:ext cx="304800" cy="304801"/>
+          </a:xfrm>
+          <a:prstGeom prst="rect">
+            <a:avLst/>
+          </a:prstGeom>
+          <a:noFill/>
+          <a:extLst>
+            <a:ext uri="{909E8E84-426E-40DD-AFC4-6F175D3DCCD1}">
+              <a14:hiddenFill xmlns:a14="http://schemas.microsoft.com/office/drawing/2010/main">
+                <a:solidFill>
+                  <a:srgbClr val="FFFFFF"/>
+                </a:solidFill>
+              </a14:hiddenFill>
+            </a:ext>
+          </a:extLst>
+        </p:spPr>
+        <p:txBody>
+          <a:bodyPr vert="horz" wrap="square" lIns="91440" tIns="45720" rIns="91440" bIns="45720" numCol="1" anchor="t" anchorCtr="0" compatLnSpc="1">
+            <a:prstTxWarp prst="textNoShape">
+              <a:avLst/>
+            </a:prstTxWarp>
+          </a:bodyPr>
+          <a:lstStyle/>
+          <a:p>
+            <a:endParaRPr lang="ru-RU"/>
+          </a:p>
+        </p:txBody>
+      </p:sp>
+      <p:sp>
+        <p:nvSpPr>
+          <p:cNvPr id="9" name="AutoShape 10" descr="Spring Boot"/>
+          <p:cNvSpPr>
+            <a:spLocks noChangeAspect="1" noChangeArrowheads="1"/>
+          </p:cNvSpPr>
+          <p:nvPr/>
+        </p:nvSpPr>
+        <p:spPr bwMode="auto">
+          <a:xfrm>
+            <a:off x="460375" y="160337"/>
+            <a:ext cx="304800" cy="304801"/>
+          </a:xfrm>
+          <a:prstGeom prst="rect">
+            <a:avLst/>
+          </a:prstGeom>
+          <a:noFill/>
+          <a:extLst>
+            <a:ext uri="{909E8E84-426E-40DD-AFC4-6F175D3DCCD1}">
+              <a14:hiddenFill xmlns:a14="http://schemas.microsoft.com/office/drawing/2010/main">
+                <a:solidFill>
+                  <a:srgbClr val="FFFFFF"/>
+                </a:solidFill>
+              </a14:hiddenFill>
+            </a:ext>
+          </a:extLst>
+        </p:spPr>
+        <p:txBody>
+          <a:bodyPr vert="horz" wrap="square" lIns="91440" tIns="45720" rIns="91440" bIns="45720" numCol="1" anchor="t" anchorCtr="0" compatLnSpc="1">
+            <a:prstTxWarp prst="textNoShape">
+              <a:avLst/>
+            </a:prstTxWarp>
+          </a:bodyPr>
+          <a:lstStyle/>
+          <a:p>
+            <a:endParaRPr lang="ru-RU"/>
+          </a:p>
+        </p:txBody>
+      </p:sp>
+      <p:pic>
+        <p:nvPicPr>
+          <p:cNvPr id="4108" name="Picture 12" descr="Spring Tutorial | Dariawan"/>
+          <p:cNvPicPr>
+            <a:picLocks noChangeAspect="1" noChangeArrowheads="1"/>
+          </p:cNvPicPr>
+          <p:nvPr/>
+        </p:nvPicPr>
+        <p:blipFill>
+          <a:blip r:embed="rId2">
+            <a:extLst>
+              <a:ext uri="{28A0092B-C50C-407E-A947-70E740481C1C}">
+                <a14:useLocalDpi xmlns:a14="http://schemas.microsoft.com/office/drawing/2010/main" val="0"/>
+              </a:ext>
+            </a:extLst>
+          </a:blip>
+          <a:srcRect/>
+          <a:stretch>
+            <a:fillRect/>
+          </a:stretch>
+        </p:blipFill>
+        <p:spPr bwMode="auto">
+          <a:xfrm>
+            <a:off x="6378492" y="2132856"/>
+            <a:ext cx="2162610" cy="1081305"/>
+          </a:xfrm>
+          <a:prstGeom prst="rect">
+            <a:avLst/>
+          </a:prstGeom>
+          <a:noFill/>
+          <a:extLst>
+            <a:ext uri="{909E8E84-426E-40DD-AFC4-6F175D3DCCD1}">
+              <a14:hiddenFill xmlns:a14="http://schemas.microsoft.com/office/drawing/2010/main">
+                <a:solidFill>
+                  <a:srgbClr val="FFFFFF"/>
+                </a:solidFill>
+              </a14:hiddenFill>
+            </a:ext>
+          </a:extLst>
+        </p:spPr>
+      </p:pic>
+      <p:pic>
+        <p:nvPicPr>
+          <p:cNvPr id="4112" name="Picture 16" descr="Java – Logos Download"/>
+          <p:cNvPicPr>
+            <a:picLocks noChangeAspect="1" noChangeArrowheads="1"/>
+          </p:cNvPicPr>
+          <p:nvPr/>
+        </p:nvPicPr>
+        <p:blipFill>
+          <a:blip r:embed="rId3" cstate="print">
+            <a:extLst>
+              <a:ext uri="{28A0092B-C50C-407E-A947-70E740481C1C}">
+                <a14:useLocalDpi xmlns:a14="http://schemas.microsoft.com/office/drawing/2010/main" val="0"/>
+              </a:ext>
+            </a:extLst>
+          </a:blip>
+          <a:srcRect/>
+          <a:stretch>
+            <a:fillRect/>
+          </a:stretch>
+        </p:blipFill>
+        <p:spPr bwMode="auto">
+          <a:xfrm>
+            <a:off x="2627784" y="2492896"/>
+            <a:ext cx="3220174" cy="1802730"/>
+          </a:xfrm>
+          <a:prstGeom prst="rect">
+            <a:avLst/>
+          </a:prstGeom>
+          <a:noFill/>
+          <a:extLst>
+            <a:ext uri="{909E8E84-426E-40DD-AFC4-6F175D3DCCD1}">
+              <a14:hiddenFill xmlns:a14="http://schemas.microsoft.com/office/drawing/2010/main">
+                <a:solidFill>
+                  <a:srgbClr val="FFFFFF"/>
+                </a:solidFill>
+              </a14:hiddenFill>
+            </a:ext>
+          </a:extLst>
+        </p:spPr>
+      </p:pic>
+      <p:pic>
+        <p:nvPicPr>
+          <p:cNvPr id="4118" name="Picture 22" descr="PostgreSQL — Википедия"/>
+          <p:cNvPicPr>
+            <a:picLocks noChangeAspect="1" noChangeArrowheads="1"/>
+          </p:cNvPicPr>
+          <p:nvPr/>
+        </p:nvPicPr>
+        <p:blipFill>
+          <a:blip r:embed="rId4" cstate="print">
+            <a:extLst>
+              <a:ext uri="{28A0092B-C50C-407E-A947-70E740481C1C}">
+                <a14:useLocalDpi xmlns:a14="http://schemas.microsoft.com/office/drawing/2010/main" val="0"/>
+              </a:ext>
+            </a:extLst>
+          </a:blip>
+          <a:srcRect/>
+          <a:stretch>
+            <a:fillRect/>
+          </a:stretch>
+        </p:blipFill>
+        <p:spPr bwMode="auto">
+          <a:xfrm>
+            <a:off x="460375" y="3502352"/>
+            <a:ext cx="1537848" cy="1586547"/>
+          </a:xfrm>
+          <a:prstGeom prst="rect">
+            <a:avLst/>
+          </a:prstGeom>
+          <a:noFill/>
+          <a:extLst>
+            <a:ext uri="{909E8E84-426E-40DD-AFC4-6F175D3DCCD1}">
+              <a14:hiddenFill xmlns:a14="http://schemas.microsoft.com/office/drawing/2010/main">
+                <a:solidFill>
+                  <a:srgbClr val="FFFFFF"/>
+                </a:solidFill>
+              </a14:hiddenFill>
+            </a:ext>
+          </a:extLst>
+        </p:spPr>
+      </p:pic>
+      <p:pic>
+        <p:nvPicPr>
+          <p:cNvPr id="4125" name="Picture 29" descr="отлично png 1 » PNG Image"/>
+          <p:cNvPicPr>
+            <a:picLocks noChangeAspect="1" noChangeArrowheads="1"/>
+          </p:cNvPicPr>
+          <p:nvPr/>
+        </p:nvPicPr>
+        <p:blipFill>
+          <a:blip r:embed="rId5">
+            <a:extLst>
+              <a:ext uri="{28A0092B-C50C-407E-A947-70E740481C1C}">
+                <a14:useLocalDpi xmlns:a14="http://schemas.microsoft.com/office/drawing/2010/main" val="0"/>
+              </a:ext>
+            </a:extLst>
+          </a:blip>
+          <a:srcRect/>
+          <a:stretch>
+            <a:fillRect/>
+          </a:stretch>
+        </p:blipFill>
+        <p:spPr bwMode="auto">
+          <a:xfrm>
+            <a:off x="6295837" y="5252900"/>
+            <a:ext cx="1163960" cy="1163961"/>
+          </a:xfrm>
+          <a:prstGeom prst="rect">
+            <a:avLst/>
+          </a:prstGeom>
+          <a:noFill/>
+          <a:extLst>
+            <a:ext uri="{909E8E84-426E-40DD-AFC4-6F175D3DCCD1}">
+              <a14:hiddenFill xmlns:a14="http://schemas.microsoft.com/office/drawing/2010/main">
+                <a:solidFill>
+                  <a:srgbClr val="FFFFFF"/>
+                </a:solidFill>
+              </a14:hiddenFill>
+            </a:ext>
+          </a:extLst>
+        </p:spPr>
+      </p:pic>
+      <p:sp>
+        <p:nvSpPr>
+          <p:cNvPr id="3" name="TextBox 2"/>
+          <p:cNvSpPr txBox="1"/>
+          <p:nvPr/>
+        </p:nvSpPr>
+        <p:spPr>
+          <a:xfrm>
+            <a:off x="337070" y="1052736"/>
+            <a:ext cx="8267377" cy="1200329"/>
+          </a:xfrm>
+          <a:prstGeom prst="rect">
+            <a:avLst/>
+          </a:prstGeom>
+          <a:noFill/>
+        </p:spPr>
+        <p:txBody>
+          <a:bodyPr wrap="square" rtlCol="0">
+            <a:spAutoFit/>
+          </a:bodyPr>
+          <a:lstStyle/>
+          <a:p>
+            <a:pPr algn="ctr"/>
+            <a:r>
+              <a:rPr lang="ru-RU" dirty="0">
+                <a:solidFill>
+                  <a:schemeClr val="bg1"/>
+                </a:solidFill>
+              </a:rPr>
+              <a:t>Наш «</a:t>
+            </a:r>
+            <a:r>
+              <a:rPr lang="ru-RU" dirty="0" err="1">
+                <a:solidFill>
+                  <a:schemeClr val="bg1"/>
+                </a:solidFill>
+              </a:rPr>
+              <a:t>ПлОт</a:t>
+            </a:r>
+            <a:r>
+              <a:rPr lang="ru-RU" dirty="0">
+                <a:solidFill>
+                  <a:schemeClr val="bg1"/>
+                </a:solidFill>
+              </a:rPr>
+              <a:t>» сложен из современных, но надёжных компонент, таких как </a:t>
+            </a:r>
+            <a:r>
+              <a:rPr lang="en-US" dirty="0">
+                <a:solidFill>
+                  <a:schemeClr val="bg1"/>
+                </a:solidFill>
+              </a:rPr>
+              <a:t>Java</a:t>
+            </a:r>
+            <a:r>
+              <a:rPr lang="ru-RU" dirty="0">
+                <a:solidFill>
+                  <a:schemeClr val="bg1"/>
+                </a:solidFill>
+              </a:rPr>
+              <a:t>, </a:t>
+            </a:r>
+            <a:r>
+              <a:rPr lang="en-US" dirty="0" err="1">
+                <a:solidFill>
+                  <a:schemeClr val="bg1"/>
+                </a:solidFill>
+              </a:rPr>
+              <a:t>PosgreSQL</a:t>
+            </a:r>
+            <a:r>
+              <a:rPr lang="ru-RU" dirty="0">
+                <a:solidFill>
+                  <a:schemeClr val="bg1"/>
+                </a:solidFill>
+              </a:rPr>
+              <a:t>, </a:t>
+            </a:r>
+            <a:r>
+              <a:rPr lang="en-US" dirty="0">
+                <a:solidFill>
+                  <a:schemeClr val="bg1"/>
+                </a:solidFill>
+              </a:rPr>
+              <a:t>Spring, </a:t>
+            </a:r>
+            <a:r>
+              <a:rPr lang="en-US" dirty="0" err="1">
+                <a:solidFill>
+                  <a:schemeClr val="bg1"/>
+                </a:solidFill>
+              </a:rPr>
+              <a:t>ApachCamel</a:t>
+            </a:r>
+            <a:r>
+              <a:rPr lang="ru-RU" dirty="0">
+                <a:solidFill>
+                  <a:schemeClr val="bg1"/>
+                </a:solidFill>
+              </a:rPr>
+              <a:t> и связан профессиональной командой разработчиков!</a:t>
+            </a:r>
+            <a:endParaRPr lang="en-US" dirty="0">
+              <a:solidFill>
+                <a:schemeClr val="bg1"/>
+              </a:solidFill>
+            </a:endParaRPr>
+          </a:p>
+          <a:p>
+            <a:pPr algn="ctr"/>
+            <a:endParaRPr lang="ru-RU" dirty="0"/>
+          </a:p>
+        </p:txBody>
+      </p:sp>
+    </p:spTree>
+    <p:extLst>
+      <p:ext uri="{BB962C8B-B14F-4D97-AF65-F5344CB8AC3E}">
+        <p14:creationId xmlns:p14="http://schemas.microsoft.com/office/powerpoint/2010/main" val="1015967983"/>
+      </p:ext>
+    </p:extLst>
+  </p:cSld>
+  <p:clrMapOvr>
+    <a:masterClrMapping/>
+  </p:clrMapOvr>
+  <p:timing>
+    <p:tnLst>
+      <p:par>
+        <p:cTn id="1" dur="indefinite" restart="never" nodeType="tmRoot"/>
+      </p:par>
+    </p:tnLst>
+  </p:timing>
+</p:sld>
+</file>
+
+<file path=ppt/slides/slide6.xml><?xml version="1.0" encoding="utf-8"?>
+<p:sld xmlns:a="http://schemas.openxmlformats.org/drawingml/2006/main" xmlns:r="http://schemas.openxmlformats.org/officeDocument/2006/relationships" xmlns:p="http://schemas.openxmlformats.org/presentationml/2006/main">
+  <p:cSld>
+    <p:spTree>
+      <p:nvGrpSpPr>
+        <p:cNvPr id="1" name=""/>
+        <p:cNvGrpSpPr/>
+        <p:nvPr/>
+      </p:nvGrpSpPr>
+      <p:grpSpPr>
+        <a:xfrm>
+          <a:off x="0" y="0"/>
+          <a:ext cx="0" cy="0"/>
+          <a:chOff x="0" y="0"/>
+          <a:chExt cx="0" cy="0"/>
+        </a:xfrm>
+      </p:grpSpPr>
+      <p:sp>
+        <p:nvSpPr>
+          <p:cNvPr id="2" name="Заголовок 1"/>
+          <p:cNvSpPr>
+            <a:spLocks noGrp="1"/>
+          </p:cNvSpPr>
+          <p:nvPr>
+            <p:ph type="title"/>
+          </p:nvPr>
+        </p:nvSpPr>
+        <p:spPr>
+          <a:xfrm>
+            <a:off x="457200" y="274638"/>
+            <a:ext cx="8229600" cy="778098"/>
+          </a:xfrm>
+        </p:spPr>
+        <p:txBody>
+          <a:bodyPr>
+            <a:normAutofit/>
+          </a:bodyPr>
+          <a:lstStyle/>
+          <a:p>
+            <a:r>
+              <a:rPr lang="ru-RU" sz="3200" dirty="0" smtClean="0">
+                <a:solidFill>
+                  <a:schemeClr val="bg1"/>
+                </a:solidFill>
+              </a:rPr>
+              <a:t>Не потопляемый </a:t>
+            </a:r>
+            <a:r>
+              <a:rPr lang="ru-RU" sz="3200" dirty="0" err="1" smtClean="0">
+                <a:solidFill>
+                  <a:schemeClr val="bg1"/>
+                </a:solidFill>
+              </a:rPr>
+              <a:t>ПлОт</a:t>
+            </a:r>
+            <a:r>
+              <a:rPr lang="ru-RU" sz="3200" dirty="0" smtClean="0">
+                <a:solidFill>
+                  <a:schemeClr val="bg1"/>
+                </a:solidFill>
+              </a:rPr>
+              <a:t>!</a:t>
+            </a:r>
+            <a:endParaRPr lang="ru-RU" sz="3200" dirty="0">
+              <a:solidFill>
+                <a:schemeClr val="bg1"/>
+              </a:solidFill>
+            </a:endParaRPr>
+          </a:p>
+        </p:txBody>
+      </p:sp>
+      <p:sp>
+        <p:nvSpPr>
+          <p:cNvPr id="5" name="TextBox 4"/>
+          <p:cNvSpPr txBox="1"/>
+          <p:nvPr/>
+        </p:nvSpPr>
+        <p:spPr>
+          <a:xfrm>
+            <a:off x="307975" y="4941168"/>
+            <a:ext cx="8633271" cy="1200329"/>
+          </a:xfrm>
+          <a:prstGeom prst="rect">
+            <a:avLst/>
+          </a:prstGeom>
+          <a:noFill/>
+        </p:spPr>
+        <p:txBody>
+          <a:bodyPr wrap="square" rtlCol="0">
+            <a:spAutoFit/>
+          </a:bodyPr>
+          <a:lstStyle/>
+          <a:p>
+            <a:pPr algn="ctr">
+              <a:spcAft>
+                <a:spcPts val="1200"/>
+              </a:spcAft>
+            </a:pPr>
+            <a:r>
+              <a:rPr lang="ru-RU" sz="2400" dirty="0" smtClean="0">
+                <a:solidFill>
+                  <a:schemeClr val="bg1"/>
+                </a:solidFill>
+              </a:rPr>
+              <a:t>Профессионализм сборки и потенциальные возможности использованных элементов конструкции позволяют легко масштабировать наш «</a:t>
+            </a:r>
+            <a:r>
+              <a:rPr lang="ru-RU" sz="2400" dirty="0" err="1" smtClean="0">
+                <a:solidFill>
+                  <a:schemeClr val="bg1"/>
+                </a:solidFill>
+              </a:rPr>
+              <a:t>ПлОт</a:t>
+            </a:r>
+            <a:r>
+              <a:rPr lang="ru-RU" sz="2400" dirty="0" smtClean="0">
+                <a:solidFill>
+                  <a:schemeClr val="bg1"/>
+                </a:solidFill>
+              </a:rPr>
+              <a:t>» до океанского лайнера!</a:t>
+            </a:r>
+          </a:p>
+        </p:txBody>
+      </p:sp>
+      <p:sp>
+        <p:nvSpPr>
+          <p:cNvPr id="7" name="AutoShape 6" descr="Spring Boot"/>
+          <p:cNvSpPr>
+            <a:spLocks noChangeAspect="1" noChangeArrowheads="1"/>
+          </p:cNvSpPr>
+          <p:nvPr/>
+        </p:nvSpPr>
+        <p:spPr bwMode="auto">
+          <a:xfrm>
+            <a:off x="155575" y="-144463"/>
+            <a:ext cx="304800" cy="304801"/>
+          </a:xfrm>
+          <a:prstGeom prst="rect">
+            <a:avLst/>
+          </a:prstGeom>
+          <a:noFill/>
+          <a:extLst>
+            <a:ext uri="{909E8E84-426E-40DD-AFC4-6F175D3DCCD1}">
+              <a14:hiddenFill xmlns:a14="http://schemas.microsoft.com/office/drawing/2010/main">
+                <a:solidFill>
+                  <a:srgbClr val="FFFFFF"/>
+                </a:solidFill>
+              </a14:hiddenFill>
+            </a:ext>
+          </a:extLst>
+        </p:spPr>
+        <p:txBody>
+          <a:bodyPr vert="horz" wrap="square" lIns="91440" tIns="45720" rIns="91440" bIns="45720" numCol="1" anchor="t" anchorCtr="0" compatLnSpc="1">
+            <a:prstTxWarp prst="textNoShape">
+              <a:avLst/>
+            </a:prstTxWarp>
+          </a:bodyPr>
+          <a:lstStyle/>
+          <a:p>
+            <a:endParaRPr lang="ru-RU"/>
+          </a:p>
+        </p:txBody>
+      </p:sp>
+      <p:sp>
+        <p:nvSpPr>
+          <p:cNvPr id="8" name="AutoShape 8" descr="Spring Boot"/>
+          <p:cNvSpPr>
+            <a:spLocks noChangeAspect="1" noChangeArrowheads="1"/>
+          </p:cNvSpPr>
+          <p:nvPr/>
+        </p:nvSpPr>
+        <p:spPr bwMode="auto">
+          <a:xfrm>
+            <a:off x="307975" y="7937"/>
+            <a:ext cx="304800" cy="304801"/>
+          </a:xfrm>
+          <a:prstGeom prst="rect">
+            <a:avLst/>
+          </a:prstGeom>
+          <a:noFill/>
+          <a:extLst>
+            <a:ext uri="{909E8E84-426E-40DD-AFC4-6F175D3DCCD1}">
+              <a14:hiddenFill xmlns:a14="http://schemas.microsoft.com/office/drawing/2010/main">
+                <a:solidFill>
+                  <a:srgbClr val="FFFFFF"/>
+                </a:solidFill>
+              </a14:hiddenFill>
+            </a:ext>
+          </a:extLst>
+        </p:spPr>
+        <p:txBody>
+          <a:bodyPr vert="horz" wrap="square" lIns="91440" tIns="45720" rIns="91440" bIns="45720" numCol="1" anchor="t" anchorCtr="0" compatLnSpc="1">
+            <a:prstTxWarp prst="textNoShape">
+              <a:avLst/>
+            </a:prstTxWarp>
+          </a:bodyPr>
+          <a:lstStyle/>
+          <a:p>
+            <a:endParaRPr lang="ru-RU"/>
+          </a:p>
+        </p:txBody>
+      </p:sp>
+      <p:sp>
+        <p:nvSpPr>
+          <p:cNvPr id="9" name="AutoShape 10" descr="Spring Boot"/>
+          <p:cNvSpPr>
+            <a:spLocks noChangeAspect="1" noChangeArrowheads="1"/>
+          </p:cNvSpPr>
+          <p:nvPr/>
+        </p:nvSpPr>
+        <p:spPr bwMode="auto">
+          <a:xfrm>
+            <a:off x="460375" y="160337"/>
+            <a:ext cx="304800" cy="304801"/>
+          </a:xfrm>
+          <a:prstGeom prst="rect">
+            <a:avLst/>
+          </a:prstGeom>
+          <a:noFill/>
+          <a:extLst>
+            <a:ext uri="{909E8E84-426E-40DD-AFC4-6F175D3DCCD1}">
+              <a14:hiddenFill xmlns:a14="http://schemas.microsoft.com/office/drawing/2010/main">
+                <a:solidFill>
+                  <a:srgbClr val="FFFFFF"/>
+                </a:solidFill>
+              </a14:hiddenFill>
+            </a:ext>
+          </a:extLst>
+        </p:spPr>
+        <p:txBody>
+          <a:bodyPr vert="horz" wrap="square" lIns="91440" tIns="45720" rIns="91440" bIns="45720" numCol="1" anchor="t" anchorCtr="0" compatLnSpc="1">
+            <a:prstTxWarp prst="textNoShape">
+              <a:avLst/>
+            </a:prstTxWarp>
+          </a:bodyPr>
+          <a:lstStyle/>
+          <a:p>
+            <a:endParaRPr lang="ru-RU"/>
+          </a:p>
+        </p:txBody>
+      </p:sp>
+      <p:pic>
+        <p:nvPicPr>
+          <p:cNvPr id="6147" name="Picture 3"/>
+          <p:cNvPicPr>
+            <a:picLocks noChangeAspect="1" noChangeArrowheads="1"/>
+          </p:cNvPicPr>
+          <p:nvPr/>
+        </p:nvPicPr>
+        <p:blipFill>
+          <a:blip r:embed="rId2">
+            <a:extLst>
+              <a:ext uri="{28A0092B-C50C-407E-A947-70E740481C1C}">
+                <a14:useLocalDpi xmlns:a14="http://schemas.microsoft.com/office/drawing/2010/main" val="0"/>
+              </a:ext>
+            </a:extLst>
+          </a:blip>
+          <a:srcRect/>
+          <a:stretch>
+            <a:fillRect/>
+          </a:stretch>
+        </p:blipFill>
+        <p:spPr bwMode="auto">
+          <a:xfrm>
+            <a:off x="744339" y="1700808"/>
+            <a:ext cx="7715250" cy="2800350"/>
+          </a:xfrm>
+          <a:prstGeom prst="rect">
+            <a:avLst/>
+          </a:prstGeom>
+          <a:noFill/>
+          <a:ln>
+            <a:noFill/>
+          </a:ln>
+          <a:effectLst>
+            <a:softEdge rad="63500"/>
+          </a:effectLst>
+          <a:extLst>
+            <a:ext uri="{909E8E84-426E-40DD-AFC4-6F175D3DCCD1}">
+              <a14:hiddenFill xmlns:a14="http://schemas.microsoft.com/office/drawing/2010/main">
+                <a:solidFill>
+                  <a:schemeClr val="accent1"/>
+                </a:solidFill>
+              </a14:hiddenFill>
+            </a:ext>
+            <a:ext uri="{91240B29-F687-4F45-9708-019B960494DF}">
+              <a14:hiddenLine xmlns:a14="http://schemas.microsoft.com/office/drawing/2010/main" w="9525">
+                <a:solidFill>
+                  <a:schemeClr val="tx1"/>
+                </a:solidFill>
+                <a:miter lim="800000"/>
+                <a:headEnd/>
+                <a:tailEnd/>
+              </a14:hiddenLine>
+            </a:ext>
+          </a:extLst>
+        </p:spPr>
+      </p:pic>
+    </p:spTree>
+    <p:extLst>
+      <p:ext uri="{BB962C8B-B14F-4D97-AF65-F5344CB8AC3E}">
+        <p14:creationId xmlns:p14="http://schemas.microsoft.com/office/powerpoint/2010/main" val="2425883633"/>
+      </p:ext>
+    </p:extLst>
+  </p:cSld>
+  <p:clrMapOvr>
+    <a:masterClrMapping/>
+  </p:clrMapOvr>
+  <p:timing>
+    <p:tnLst>
+      <p:par>
+        <p:cTn id="1" dur="indefinite" restart="never" nodeType="tmRoot"/>
+      </p:par>
+    </p:tnLst>
+  </p:timing>
+</p:sld>
+</file>
+
+<file path=ppt/slides/slide7.xml><?xml version="1.0" encoding="utf-8"?>
+<p:sld xmlns:a="http://schemas.openxmlformats.org/drawingml/2006/main" xmlns:r="http://schemas.openxmlformats.org/officeDocument/2006/relationships" xmlns:p="http://schemas.openxmlformats.org/presentationml/2006/main">
+  <p:cSld>
+    <p:spTree>
+      <p:nvGrpSpPr>
+        <p:cNvPr id="1" name=""/>
+        <p:cNvGrpSpPr/>
+        <p:nvPr/>
+      </p:nvGrpSpPr>
+      <p:grpSpPr>
+        <a:xfrm>
+          <a:off x="0" y="0"/>
+          <a:ext cx="0" cy="0"/>
+          <a:chOff x="0" y="0"/>
+          <a:chExt cx="0" cy="0"/>
+        </a:xfrm>
+      </p:grpSpPr>
+      <p:sp>
+        <p:nvSpPr>
+          <p:cNvPr id="2" name="Заголовок 1"/>
+          <p:cNvSpPr>
+            <a:spLocks noGrp="1"/>
+          </p:cNvSpPr>
+          <p:nvPr>
+            <p:ph type="title"/>
+          </p:nvPr>
+        </p:nvSpPr>
+        <p:spPr/>
+        <p:txBody>
+          <a:bodyPr>
+            <a:normAutofit fontScale="90000"/>
+          </a:bodyPr>
+          <a:lstStyle/>
+          <a:p>
+            <a:r>
+              <a:rPr lang="ru-RU" dirty="0" smtClean="0">
+                <a:solidFill>
+                  <a:schemeClr val="bg1"/>
+                </a:solidFill>
+              </a:rPr>
+              <a:t>А работает всё очень просто, надёжно и безопасно.</a:t>
+            </a:r>
+            <a:endParaRPr lang="ru-RU" dirty="0">
+              <a:solidFill>
+                <a:schemeClr val="bg1"/>
+              </a:solidFill>
+            </a:endParaRPr>
+          </a:p>
+        </p:txBody>
+      </p:sp>
+      <p:pic>
+        <p:nvPicPr>
+          <p:cNvPr id="8194" name="Picture 2"/>
+          <p:cNvPicPr>
+            <a:picLocks noChangeAspect="1" noChangeArrowheads="1"/>
+          </p:cNvPicPr>
+          <p:nvPr/>
+        </p:nvPicPr>
+        <p:blipFill>
+          <a:blip r:embed="rId2">
+            <a:extLst>
+              <a:ext uri="{28A0092B-C50C-407E-A947-70E740481C1C}">
+                <a14:useLocalDpi xmlns:a14="http://schemas.microsoft.com/office/drawing/2010/main" val="0"/>
+              </a:ext>
+            </a:extLst>
+          </a:blip>
+          <a:srcRect/>
+          <a:stretch>
+            <a:fillRect/>
+          </a:stretch>
+        </p:blipFill>
+        <p:spPr bwMode="auto">
+          <a:xfrm>
+            <a:off x="2483768" y="1772816"/>
+            <a:ext cx="4496906" cy="4464496"/>
+          </a:xfrm>
+          <a:prstGeom prst="rect">
+            <a:avLst/>
+          </a:prstGeom>
+          <a:noFill/>
+          <a:ln>
+            <a:noFill/>
+          </a:ln>
+          <a:effectLst>
+            <a:softEdge rad="31750"/>
+          </a:effectLst>
+          <a:extLst>
+            <a:ext uri="{909E8E84-426E-40DD-AFC4-6F175D3DCCD1}">
+              <a14:hiddenFill xmlns:a14="http://schemas.microsoft.com/office/drawing/2010/main">
+                <a:solidFill>
+                  <a:schemeClr val="accent1"/>
+                </a:solidFill>
+              </a14:hiddenFill>
+            </a:ext>
+            <a:ext uri="{91240B29-F687-4F45-9708-019B960494DF}">
+              <a14:hiddenLine xmlns:a14="http://schemas.microsoft.com/office/drawing/2010/main" w="9525">
+                <a:solidFill>
+                  <a:schemeClr val="tx1"/>
+                </a:solidFill>
+                <a:miter lim="800000"/>
+                <a:headEnd/>
+                <a:tailEnd/>
+              </a14:hiddenLine>
+            </a:ext>
+          </a:extLst>
+        </p:spPr>
+      </p:pic>
+    </p:spTree>
+    <p:extLst>
+      <p:ext uri="{BB962C8B-B14F-4D97-AF65-F5344CB8AC3E}">
+        <p14:creationId xmlns:p14="http://schemas.microsoft.com/office/powerpoint/2010/main" val="2922662717"/>
+      </p:ext>
+    </p:extLst>
+  </p:cSld>
+  <p:clrMapOvr>
+    <a:masterClrMapping/>
+  </p:clrMapOvr>
+</p:sld>
+</file>
+
+<file path=ppt/slides/slide8.xml><?xml version="1.0" encoding="utf-8"?>
+<p:sld xmlns:a="http://schemas.openxmlformats.org/drawingml/2006/main" xmlns:r="http://schemas.openxmlformats.org/officeDocument/2006/relationships" xmlns:p="http://schemas.openxmlformats.org/presentationml/2006/main">
+  <p:cSld>
+    <p:spTree>
+      <p:nvGrpSpPr>
+        <p:cNvPr id="1" name=""/>
+        <p:cNvGrpSpPr/>
+        <p:nvPr/>
+      </p:nvGrpSpPr>
+      <p:grpSpPr>
+        <a:xfrm>
+          <a:off x="0" y="0"/>
+          <a:ext cx="0" cy="0"/>
+          <a:chOff x="0" y="0"/>
+          <a:chExt cx="0" cy="0"/>
+        </a:xfrm>
+      </p:grpSpPr>
+      <p:sp>
+        <p:nvSpPr>
+          <p:cNvPr id="2" name="Заголовок 1"/>
+          <p:cNvSpPr>
+            <a:spLocks noGrp="1"/>
+          </p:cNvSpPr>
+          <p:nvPr>
+            <p:ph type="title"/>
+          </p:nvPr>
+        </p:nvSpPr>
+        <p:spPr/>
+        <p:txBody>
+          <a:bodyPr>
+            <a:normAutofit fontScale="90000"/>
+          </a:bodyPr>
+          <a:lstStyle/>
+          <a:p>
+            <a:r>
+              <a:rPr lang="ru-RU" dirty="0" smtClean="0">
+                <a:solidFill>
+                  <a:schemeClr val="bg1"/>
+                </a:solidFill>
+              </a:rPr>
+              <a:t>Безопасность прежде всего!</a:t>
+            </a:r>
+            <a:br>
+              <a:rPr lang="ru-RU" dirty="0" smtClean="0">
+                <a:solidFill>
+                  <a:schemeClr val="bg1"/>
+                </a:solidFill>
+              </a:rPr>
+            </a:br>
+            <a:r>
+              <a:rPr lang="ru-RU" dirty="0" smtClean="0">
+                <a:solidFill>
+                  <a:schemeClr val="bg1"/>
+                </a:solidFill>
+              </a:rPr>
+              <a:t>Предъяви ЭЦП для входа!</a:t>
+            </a:r>
+            <a:endParaRPr lang="ru-RU" dirty="0">
+              <a:solidFill>
+                <a:schemeClr val="bg1"/>
+              </a:solidFill>
+            </a:endParaRPr>
+          </a:p>
+        </p:txBody>
+      </p:sp>
+    </p:spTree>
+    <p:extLst>
+      <p:ext uri="{BB962C8B-B14F-4D97-AF65-F5344CB8AC3E}">
+        <p14:creationId xmlns:p14="http://schemas.microsoft.com/office/powerpoint/2010/main" val="1735205811"/>
+      </p:ext>
+    </p:extLst>
+  </p:cSld>
+  <p:clrMapOvr>
+    <a:masterClrMapping/>
+  </p:clrMapOvr>
+</p:sld>
+</file>
+
+<file path=ppt/slides/slide9.xml><?xml version="1.0" encoding="utf-8"?>
+<p:sld xmlns:a="http://schemas.openxmlformats.org/drawingml/2006/main" xmlns:r="http://schemas.openxmlformats.org/officeDocument/2006/relationships" xmlns:p="http://schemas.openxmlformats.org/presentationml/2006/main">
+  <p:cSld>
+    <p:spTree>
+      <p:nvGrpSpPr>
+        <p:cNvPr id="1" name=""/>
+        <p:cNvGrpSpPr/>
+        <p:nvPr/>
+      </p:nvGrpSpPr>
+      <p:grpSpPr>
+        <a:xfrm>
+          <a:off x="0" y="0"/>
+          <a:ext cx="0" cy="0"/>
+          <a:chOff x="0" y="0"/>
+          <a:chExt cx="0" cy="0"/>
+        </a:xfrm>
+      </p:grpSpPr>
+      <p:sp>
+        <p:nvSpPr>
+          <p:cNvPr id="2" name="Заголовок 1"/>
+          <p:cNvSpPr>
+            <a:spLocks noGrp="1"/>
+          </p:cNvSpPr>
+          <p:nvPr>
+            <p:ph type="title"/>
+          </p:nvPr>
+        </p:nvSpPr>
+        <p:spPr/>
+        <p:txBody>
+          <a:bodyPr>
+            <a:normAutofit fontScale="90000"/>
+          </a:bodyPr>
+          <a:lstStyle/>
+          <a:p>
+            <a:r>
+              <a:rPr lang="ru-RU" dirty="0" smtClean="0">
+                <a:solidFill>
+                  <a:schemeClr val="bg1"/>
+                </a:solidFill>
+              </a:rPr>
+              <a:t>А что же вы можете здесь делать?...</a:t>
+            </a:r>
+            <a:endParaRPr lang="ru-RU" dirty="0">
+              <a:solidFill>
+                <a:schemeClr val="bg1"/>
+              </a:solidFill>
+            </a:endParaRPr>
+          </a:p>
+        </p:txBody>
+      </p:sp>
+    </p:spTree>
+    <p:extLst>
+      <p:ext uri="{BB962C8B-B14F-4D97-AF65-F5344CB8AC3E}">
+        <p14:creationId xmlns:p14="http://schemas.microsoft.com/office/powerpoint/2010/main" val="3072382404"/>
+      </p:ext>
+    </p:extLst>
+  </p:cSld>
+  <p:clrMapOvr>
+    <a:masterClrMapping/>
+  </p:clrMapOvr>
 </p:sld>
 </file>
 
